--- a/sesija-12/PPT/Front-End Developer-12.pptx
+++ b/sesija-12/PPT/Front-End Developer-12.pptx
@@ -6,13 +6,48 @@
     <p:sldMasterId id="2147483676" r:id="rId2"/>
   </p:sldMasterIdLst>
   <p:notesMasterIdLst>
-    <p:notesMasterId r:id="rId7"/>
+    <p:notesMasterId r:id="rId42"/>
   </p:notesMasterIdLst>
   <p:sldIdLst>
     <p:sldId id="256" r:id="rId3"/>
     <p:sldId id="257" r:id="rId4"/>
     <p:sldId id="258" r:id="rId5"/>
     <p:sldId id="261" r:id="rId6"/>
+    <p:sldId id="264" r:id="rId7"/>
+    <p:sldId id="267" r:id="rId8"/>
+    <p:sldId id="268" r:id="rId9"/>
+    <p:sldId id="269" r:id="rId10"/>
+    <p:sldId id="270" r:id="rId11"/>
+    <p:sldId id="271" r:id="rId12"/>
+    <p:sldId id="262" r:id="rId13"/>
+    <p:sldId id="265" r:id="rId14"/>
+    <p:sldId id="273" r:id="rId15"/>
+    <p:sldId id="274" r:id="rId16"/>
+    <p:sldId id="275" r:id="rId17"/>
+    <p:sldId id="276" r:id="rId18"/>
+    <p:sldId id="277" r:id="rId19"/>
+    <p:sldId id="278" r:id="rId20"/>
+    <p:sldId id="279" r:id="rId21"/>
+    <p:sldId id="263" r:id="rId22"/>
+    <p:sldId id="281" r:id="rId23"/>
+    <p:sldId id="282" r:id="rId24"/>
+    <p:sldId id="283" r:id="rId25"/>
+    <p:sldId id="284" r:id="rId26"/>
+    <p:sldId id="285" r:id="rId27"/>
+    <p:sldId id="286" r:id="rId28"/>
+    <p:sldId id="287" r:id="rId29"/>
+    <p:sldId id="288" r:id="rId30"/>
+    <p:sldId id="289" r:id="rId31"/>
+    <p:sldId id="280" r:id="rId32"/>
+    <p:sldId id="293" r:id="rId33"/>
+    <p:sldId id="294" r:id="rId34"/>
+    <p:sldId id="295" r:id="rId35"/>
+    <p:sldId id="296" r:id="rId36"/>
+    <p:sldId id="292" r:id="rId37"/>
+    <p:sldId id="266" r:id="rId38"/>
+    <p:sldId id="290" r:id="rId39"/>
+    <p:sldId id="291" r:id="rId40"/>
+    <p:sldId id="272" r:id="rId41"/>
   </p:sldIdLst>
   <p:sldSz cx="12192000" cy="6858000"/>
   <p:notesSz cx="6858000" cy="9144000"/>
@@ -120,6 +155,41 @@
             <p14:sldId id="257"/>
             <p14:sldId id="258"/>
             <p14:sldId id="261"/>
+            <p14:sldId id="264"/>
+            <p14:sldId id="267"/>
+            <p14:sldId id="268"/>
+            <p14:sldId id="269"/>
+            <p14:sldId id="270"/>
+            <p14:sldId id="271"/>
+            <p14:sldId id="262"/>
+            <p14:sldId id="265"/>
+            <p14:sldId id="273"/>
+            <p14:sldId id="274"/>
+            <p14:sldId id="275"/>
+            <p14:sldId id="276"/>
+            <p14:sldId id="277"/>
+            <p14:sldId id="278"/>
+            <p14:sldId id="279"/>
+            <p14:sldId id="263"/>
+            <p14:sldId id="281"/>
+            <p14:sldId id="282"/>
+            <p14:sldId id="283"/>
+            <p14:sldId id="284"/>
+            <p14:sldId id="285"/>
+            <p14:sldId id="286"/>
+            <p14:sldId id="287"/>
+            <p14:sldId id="288"/>
+            <p14:sldId id="289"/>
+            <p14:sldId id="280"/>
+            <p14:sldId id="293"/>
+            <p14:sldId id="294"/>
+            <p14:sldId id="295"/>
+            <p14:sldId id="296"/>
+            <p14:sldId id="292"/>
+            <p14:sldId id="266"/>
+            <p14:sldId id="290"/>
+            <p14:sldId id="291"/>
+            <p14:sldId id="272"/>
           </p14:sldIdLst>
         </p14:section>
       </p14:sectionLst>
@@ -941,7 +1011,7 @@
         <a:p>
           <a:r>
             <a:rPr lang="en-US" smtClean="0"/>
-            <a:t>&lt;select&gt; tag</a:t>
+            <a:t>&lt;input&gt; types</a:t>
           </a:r>
           <a:endParaRPr lang="en-US"/>
         </a:p>
@@ -964,7 +1034,7 @@
         <a:p>
           <a:r>
             <a:rPr lang="en-US" smtClean="0"/>
-            <a:t>&lt;input&gt; tag </a:t>
+            <a:t>HTML Forms</a:t>
           </a:r>
           <a:endParaRPr lang="en-US"/>
         </a:p>
@@ -998,6 +1068,29 @@
       <dgm:spPr/>
     </dgm:pt>
     <dgm:pt modelId="{EA419F2E-1FA6-40CB-B0F3-AD8B8DD43AB1}" type="sibTrans" cxnId="{9B9403EE-A64F-4ADE-8FA6-2F54D30033E4}">
+      <dgm:prSet/>
+      <dgm:spPr/>
+    </dgm:pt>
+    <dgm:pt modelId="{2E8F250B-ED8F-4ED0-9509-4F4F994C20E3}">
+      <dgm:prSet phldrT="[Text]"/>
+      <dgm:spPr/>
+      <dgm:t>
+        <a:bodyPr/>
+        <a:lstStyle/>
+        <a:p>
+          <a:r>
+            <a:rPr lang="en-US" smtClean="0"/>
+            <a:t>Styling forms</a:t>
+          </a:r>
+          <a:endParaRPr lang="en-US"/>
+        </a:p>
+      </dgm:t>
+    </dgm:pt>
+    <dgm:pt modelId="{E680149E-1566-4D59-8953-8F0FD542402A}" type="parTrans" cxnId="{A3A0D678-BB08-4B33-BA6A-F3E496A90238}">
+      <dgm:prSet/>
+      <dgm:spPr/>
+    </dgm:pt>
+    <dgm:pt modelId="{8A0814C7-D94F-477A-9A42-AB7189FC337B}" type="sibTrans" cxnId="{A3A0D678-BB08-4B33-BA6A-F3E496A90238}">
       <dgm:prSet/>
       <dgm:spPr/>
     </dgm:pt>
@@ -1050,14 +1143,16 @@
     </dgm:pt>
   </dgm:ptLst>
   <dgm:cxnLst>
-    <dgm:cxn modelId="{9B9403EE-A64F-4ADE-8FA6-2F54D30033E4}" srcId="{01EB205F-FC18-44EF-B4D7-07083A382D6D}" destId="{427A9A77-B9B5-490E-B1CD-50AFD443FAE7}" srcOrd="2" destOrd="0" parTransId="{A4254D2C-C313-4F54-AEBF-AF321B2564E7}" sibTransId="{EA419F2E-1FA6-40CB-B0F3-AD8B8DD43AB1}"/>
+    <dgm:cxn modelId="{87E5B2D3-9BC7-4684-BD65-73754281BE59}" type="presOf" srcId="{2E8F250B-ED8F-4ED0-9509-4F4F994C20E3}" destId="{AADBD8E6-695F-4FE3-9A02-D807BC812A7C}" srcOrd="0" destOrd="2" presId="urn:microsoft.com/office/officeart/2005/8/layout/vList2"/>
+    <dgm:cxn modelId="{9B9403EE-A64F-4ADE-8FA6-2F54D30033E4}" srcId="{01EB205F-FC18-44EF-B4D7-07083A382D6D}" destId="{427A9A77-B9B5-490E-B1CD-50AFD443FAE7}" srcOrd="3" destOrd="0" parTransId="{A4254D2C-C313-4F54-AEBF-AF321B2564E7}" sibTransId="{EA419F2E-1FA6-40CB-B0F3-AD8B8DD43AB1}"/>
     <dgm:cxn modelId="{FB3F133B-D980-4586-8A93-14087C2AFDB7}" type="presOf" srcId="{01EB205F-FC18-44EF-B4D7-07083A382D6D}" destId="{F4D94EE2-DE87-41D3-8995-9FDA4ED2D4BE}" srcOrd="0" destOrd="0" presId="urn:microsoft.com/office/officeart/2005/8/layout/vList2"/>
     <dgm:cxn modelId="{9E84B4A0-3EE6-44A4-AD2F-F19AE98DD08B}" srcId="{01EB205F-FC18-44EF-B4D7-07083A382D6D}" destId="{28BB5B8D-FB3C-4AB6-B9CE-808275E4C7DB}" srcOrd="1" destOrd="0" parTransId="{D921A4A7-E4A0-4B53-B5A8-7202E5E6D16E}" sibTransId="{742584FC-CEBD-443D-8EE8-2A8EAD139AFF}"/>
     <dgm:cxn modelId="{9ADF0326-01FB-4790-B759-ACDFB0217796}" type="presOf" srcId="{4EE1351B-4B79-4D48-8F5E-455F7AD945A8}" destId="{AEABCDDF-3180-4C76-A7CB-FC0B6AF0719A}" srcOrd="0" destOrd="0" presId="urn:microsoft.com/office/officeart/2005/8/layout/vList2"/>
     <dgm:cxn modelId="{C78D7D1E-4353-489A-8F01-856C716DDAA5}" srcId="{01EB205F-FC18-44EF-B4D7-07083A382D6D}" destId="{7BA3726F-3900-4FC3-8B1E-5B513F942281}" srcOrd="0" destOrd="0" parTransId="{F89418B0-7D47-48D3-A0DD-7DC00E292A1E}" sibTransId="{B8A6BCFB-F597-4971-BF20-6B7B52347AE9}"/>
     <dgm:cxn modelId="{554D4833-0D13-4D4C-92BF-76D83AECFDE6}" srcId="{4EE1351B-4B79-4D48-8F5E-455F7AD945A8}" destId="{01EB205F-FC18-44EF-B4D7-07083A382D6D}" srcOrd="0" destOrd="0" parTransId="{D4C6F2B3-566C-488E-AC05-F7BDFB6B7331}" sibTransId="{2BF717F9-FCD3-4CE3-A0A5-83D104AFB328}"/>
     <dgm:cxn modelId="{9548052C-9D94-47DC-994A-A5EA99189A03}" type="presOf" srcId="{28BB5B8D-FB3C-4AB6-B9CE-808275E4C7DB}" destId="{AADBD8E6-695F-4FE3-9A02-D807BC812A7C}" srcOrd="0" destOrd="1" presId="urn:microsoft.com/office/officeart/2005/8/layout/vList2"/>
-    <dgm:cxn modelId="{B7FFA369-826F-4258-B2F1-E88D512A09C8}" type="presOf" srcId="{427A9A77-B9B5-490E-B1CD-50AFD443FAE7}" destId="{AADBD8E6-695F-4FE3-9A02-D807BC812A7C}" srcOrd="0" destOrd="2" presId="urn:microsoft.com/office/officeart/2005/8/layout/vList2"/>
+    <dgm:cxn modelId="{B7FFA369-826F-4258-B2F1-E88D512A09C8}" type="presOf" srcId="{427A9A77-B9B5-490E-B1CD-50AFD443FAE7}" destId="{AADBD8E6-695F-4FE3-9A02-D807BC812A7C}" srcOrd="0" destOrd="3" presId="urn:microsoft.com/office/officeart/2005/8/layout/vList2"/>
+    <dgm:cxn modelId="{A3A0D678-BB08-4B33-BA6A-F3E496A90238}" srcId="{01EB205F-FC18-44EF-B4D7-07083A382D6D}" destId="{2E8F250B-ED8F-4ED0-9509-4F4F994C20E3}" srcOrd="2" destOrd="0" parTransId="{E680149E-1566-4D59-8953-8F0FD542402A}" sibTransId="{8A0814C7-D94F-477A-9A42-AB7189FC337B}"/>
     <dgm:cxn modelId="{C5A8E9B4-A897-4242-BCB6-414B02FAC18D}" type="presOf" srcId="{7BA3726F-3900-4FC3-8B1E-5B513F942281}" destId="{AADBD8E6-695F-4FE3-9A02-D807BC812A7C}" srcOrd="0" destOrd="0" presId="urn:microsoft.com/office/officeart/2005/8/layout/vList2"/>
     <dgm:cxn modelId="{541BD5B9-51DA-497F-838D-CDA31366E980}" type="presParOf" srcId="{AEABCDDF-3180-4C76-A7CB-FC0B6AF0719A}" destId="{F4D94EE2-DE87-41D3-8995-9FDA4ED2D4BE}" srcOrd="0" destOrd="0" presId="urn:microsoft.com/office/officeart/2005/8/layout/vList2"/>
     <dgm:cxn modelId="{C7801D2E-7067-4E56-86BD-8C707C34363A}" type="presParOf" srcId="{AEABCDDF-3180-4C76-A7CB-FC0B6AF0719A}" destId="{AADBD8E6-695F-4FE3-9A02-D807BC812A7C}" srcOrd="1" destOrd="0" presId="urn:microsoft.com/office/officeart/2005/8/layout/vList2"/>
@@ -1087,7 +1182,7 @@
       </dsp:nvSpPr>
       <dsp:spPr>
         <a:xfrm>
-          <a:off x="0" y="841960"/>
+          <a:off x="0" y="438310"/>
           <a:ext cx="8298873" cy="1521000"/>
         </a:xfrm>
         <a:prstGeom prst="roundRect">
@@ -1153,7 +1248,7 @@
         </a:p>
       </dsp:txBody>
       <dsp:txXfrm>
-        <a:off x="74249" y="916209"/>
+        <a:off x="74249" y="512559"/>
         <a:ext cx="8150375" cy="1372502"/>
       </dsp:txXfrm>
     </dsp:sp>
@@ -1164,8 +1259,8 @@
       </dsp:nvSpPr>
       <dsp:spPr>
         <a:xfrm>
-          <a:off x="0" y="2362960"/>
-          <a:ext cx="8298873" cy="2489175"/>
+          <a:off x="0" y="1959310"/>
+          <a:ext cx="8298873" cy="3296475"/>
         </a:xfrm>
         <a:prstGeom prst="rect">
           <a:avLst/>
@@ -1208,7 +1303,7 @@
           </a:pPr>
           <a:r>
             <a:rPr lang="en-US" sz="5100" kern="1200" smtClean="0"/>
-            <a:t>&lt;input&gt; tag </a:t>
+            <a:t>HTML Forms</a:t>
           </a:r>
           <a:endParaRPr lang="en-US" sz="5100" kern="1200"/>
         </a:p>
@@ -1227,7 +1322,26 @@
           </a:pPr>
           <a:r>
             <a:rPr lang="en-US" sz="5100" kern="1200" smtClean="0"/>
-            <a:t>&lt;select&gt; tag</a:t>
+            <a:t>&lt;input&gt; types</a:t>
+          </a:r>
+          <a:endParaRPr lang="en-US" sz="5100" kern="1200"/>
+        </a:p>
+        <a:p>
+          <a:pPr marL="285750" lvl="1" indent="-285750" algn="l" defTabSz="2266950">
+            <a:lnSpc>
+              <a:spcPct val="90000"/>
+            </a:lnSpc>
+            <a:spcBef>
+              <a:spcPct val="0"/>
+            </a:spcBef>
+            <a:spcAft>
+              <a:spcPct val="20000"/>
+            </a:spcAft>
+            <a:buChar char="••"/>
+          </a:pPr>
+          <a:r>
+            <a:rPr lang="en-US" sz="5100" kern="1200" smtClean="0"/>
+            <a:t>Styling forms</a:t>
           </a:r>
           <a:endParaRPr lang="en-US" sz="5100" kern="1200"/>
         </a:p>
@@ -1252,8 +1366,8 @@
         </a:p>
       </dsp:txBody>
       <dsp:txXfrm>
-        <a:off x="0" y="2362960"/>
-        <a:ext cx="8298873" cy="2489175"/>
+        <a:off x="0" y="1959310"/>
+        <a:ext cx="8298873" cy="3296475"/>
       </dsp:txXfrm>
     </dsp:sp>
   </dsp:spTree>
@@ -2543,7 +2657,7 @@
           <a:p>
             <a:fld id="{D32AC403-8EB1-4D4E-8C3A-24BD19820531}" type="datetimeFigureOut">
               <a:rPr lang="en-US" smtClean="0"/>
-              <a:t>04-Mar-18</a:t>
+              <a:t>07-Mar-18</a:t>
             </a:fld>
             <a:endParaRPr lang="en-US"/>
           </a:p>
@@ -3289,7 +3403,7 @@
           <a:p>
             <a:fld id="{B35B300D-7DF5-4E96-8AA6-60E94C6E9F44}" type="datetimeFigureOut">
               <a:rPr lang="sr-Latn-RS" smtClean="0"/>
-              <a:t>4.3.2018.</a:t>
+              <a:t>7.3.2018.</a:t>
             </a:fld>
             <a:endParaRPr lang="sr-Latn-RS"/>
           </a:p>
@@ -3723,7 +3837,7 @@
           <a:p>
             <a:fld id="{B35B300D-7DF5-4E96-8AA6-60E94C6E9F44}" type="datetimeFigureOut">
               <a:rPr lang="sr-Latn-RS" smtClean="0"/>
-              <a:t>4.3.2018.</a:t>
+              <a:t>7.3.2018.</a:t>
             </a:fld>
             <a:endParaRPr lang="sr-Latn-RS"/>
           </a:p>
@@ -4097,7 +4211,7 @@
           <a:p>
             <a:fld id="{B35B300D-7DF5-4E96-8AA6-60E94C6E9F44}" type="datetimeFigureOut">
               <a:rPr lang="sr-Latn-RS" smtClean="0"/>
-              <a:t>4.3.2018.</a:t>
+              <a:t>7.3.2018.</a:t>
             </a:fld>
             <a:endParaRPr lang="sr-Latn-RS"/>
           </a:p>
@@ -4381,7 +4495,7 @@
           <a:p>
             <a:fld id="{B35B300D-7DF5-4E96-8AA6-60E94C6E9F44}" type="datetimeFigureOut">
               <a:rPr lang="sr-Latn-RS" smtClean="0"/>
-              <a:t>4.3.2018.</a:t>
+              <a:t>7.3.2018.</a:t>
             </a:fld>
             <a:endParaRPr lang="sr-Latn-RS"/>
           </a:p>
@@ -4558,7 +4672,7 @@
           <a:p>
             <a:fld id="{B35B300D-7DF5-4E96-8AA6-60E94C6E9F44}" type="datetimeFigureOut">
               <a:rPr lang="sr-Latn-RS" smtClean="0"/>
-              <a:t>4.3.2018.</a:t>
+              <a:t>7.3.2018.</a:t>
             </a:fld>
             <a:endParaRPr lang="sr-Latn-RS"/>
           </a:p>
@@ -4745,7 +4859,7 @@
           <a:p>
             <a:fld id="{B35B300D-7DF5-4E96-8AA6-60E94C6E9F44}" type="datetimeFigureOut">
               <a:rPr lang="sr-Latn-RS" smtClean="0"/>
-              <a:t>4.3.2018.</a:t>
+              <a:t>7.3.2018.</a:t>
             </a:fld>
             <a:endParaRPr lang="sr-Latn-RS"/>
           </a:p>
@@ -4992,7 +5106,7 @@
           <a:p>
             <a:fld id="{B35B300D-7DF5-4E96-8AA6-60E94C6E9F44}" type="datetimeFigureOut">
               <a:rPr lang="sr-Latn-RS" smtClean="0"/>
-              <a:t>4.3.2018.</a:t>
+              <a:t>7.3.2018.</a:t>
             </a:fld>
             <a:endParaRPr lang="sr-Latn-RS"/>
           </a:p>
@@ -5276,7 +5390,7 @@
           <a:p>
             <a:fld id="{B35B300D-7DF5-4E96-8AA6-60E94C6E9F44}" type="datetimeFigureOut">
               <a:rPr lang="sr-Latn-RS" smtClean="0"/>
-              <a:t>4.3.2018.</a:t>
+              <a:t>7.3.2018.</a:t>
             </a:fld>
             <a:endParaRPr lang="sr-Latn-RS"/>
           </a:p>
@@ -7195,7 +7309,7 @@
           <a:p>
             <a:fld id="{B35B300D-7DF5-4E96-8AA6-60E94C6E9F44}" type="datetimeFigureOut">
               <a:rPr lang="sr-Latn-RS" smtClean="0"/>
-              <a:t>4.3.2018.</a:t>
+              <a:t>7.3.2018.</a:t>
             </a:fld>
             <a:endParaRPr lang="sr-Latn-RS"/>
           </a:p>
@@ -7629,15 +7743,7 @@
             </a:br>
             <a:r>
               <a:rPr lang="en-US" b="1" smtClean="0"/>
-              <a:t>12 </a:t>
-            </a:r>
-            <a:r>
-              <a:rPr lang="en-US" b="1" smtClean="0"/>
-              <a:t>– </a:t>
-            </a:r>
-            <a:r>
-              <a:rPr lang="en-US" b="1" smtClean="0"/>
-              <a:t>07.03.2018</a:t>
+              <a:t>12 – 07.03.2018</a:t>
             </a:r>
             <a:endParaRPr lang="en-US"/>
           </a:p>
@@ -7683,6 +7789,581 @@
       </p:par>
     </p:tnLst>
   </p:timing>
+</p:sld>
+</file>
+
+<file path=ppt/slides/slide10.xml><?xml version="1.0" encoding="utf-8"?>
+<p:sld xmlns:a="http://schemas.openxmlformats.org/drawingml/2006/main" xmlns:r="http://schemas.openxmlformats.org/officeDocument/2006/relationships" xmlns:p="http://schemas.openxmlformats.org/presentationml/2006/main">
+  <p:cSld>
+    <p:spTree>
+      <p:nvGrpSpPr>
+        <p:cNvPr id="1" name=""/>
+        <p:cNvGrpSpPr/>
+        <p:nvPr/>
+      </p:nvGrpSpPr>
+      <p:grpSpPr>
+        <a:xfrm>
+          <a:off x="0" y="0"/>
+          <a:ext cx="0" cy="0"/>
+          <a:chOff x="0" y="0"/>
+          <a:chExt cx="0" cy="0"/>
+        </a:xfrm>
+      </p:grpSpPr>
+      <p:pic>
+        <p:nvPicPr>
+          <p:cNvPr id="5" name="Picture 4"/>
+          <p:cNvPicPr>
+            <a:picLocks noChangeAspect="1"/>
+          </p:cNvPicPr>
+          <p:nvPr/>
+        </p:nvPicPr>
+        <p:blipFill>
+          <a:blip r:embed="rId2"/>
+          <a:stretch>
+            <a:fillRect/>
+          </a:stretch>
+        </p:blipFill>
+        <p:spPr>
+          <a:xfrm>
+            <a:off x="2427316" y="0"/>
+            <a:ext cx="7903986" cy="6273732"/>
+          </a:xfrm>
+          <a:prstGeom prst="rect">
+            <a:avLst/>
+          </a:prstGeom>
+        </p:spPr>
+      </p:pic>
+    </p:spTree>
+    <p:extLst>
+      <p:ext uri="{BB962C8B-B14F-4D97-AF65-F5344CB8AC3E}">
+        <p14:creationId xmlns:p14="http://schemas.microsoft.com/office/powerpoint/2010/main" val="1993450863"/>
+      </p:ext>
+    </p:extLst>
+  </p:cSld>
+  <p:clrMapOvr>
+    <a:masterClrMapping/>
+  </p:clrMapOvr>
+</p:sld>
+</file>
+
+<file path=ppt/slides/slide11.xml><?xml version="1.0" encoding="utf-8"?>
+<p:sld xmlns:a="http://schemas.openxmlformats.org/drawingml/2006/main" xmlns:r="http://schemas.openxmlformats.org/officeDocument/2006/relationships" xmlns:p="http://schemas.openxmlformats.org/presentationml/2006/main">
+  <p:cSld>
+    <p:spTree>
+      <p:nvGrpSpPr>
+        <p:cNvPr id="1" name=""/>
+        <p:cNvGrpSpPr/>
+        <p:nvPr/>
+      </p:nvGrpSpPr>
+      <p:grpSpPr>
+        <a:xfrm>
+          <a:off x="0" y="0"/>
+          <a:ext cx="0" cy="0"/>
+          <a:chOff x="0" y="0"/>
+          <a:chExt cx="0" cy="0"/>
+        </a:xfrm>
+      </p:grpSpPr>
+      <p:sp>
+        <p:nvSpPr>
+          <p:cNvPr id="5" name="Text Placeholder 4"/>
+          <p:cNvSpPr>
+            <a:spLocks noGrp="1"/>
+          </p:cNvSpPr>
+          <p:nvPr>
+            <p:ph type="body" sz="quarter" idx="10"/>
+          </p:nvPr>
+        </p:nvSpPr>
+        <p:spPr/>
+        <p:txBody>
+          <a:bodyPr/>
+          <a:lstStyle/>
+          <a:p>
+            <a:r>
+              <a:rPr lang="en-US" smtClean="0"/>
+              <a:t>HTML</a:t>
+            </a:r>
+            <a:endParaRPr lang="sr-Latn-RS" smtClean="0"/>
+          </a:p>
+        </p:txBody>
+      </p:sp>
+      <p:sp>
+        <p:nvSpPr>
+          <p:cNvPr id="6" name="Text Placeholder 5"/>
+          <p:cNvSpPr>
+            <a:spLocks noGrp="1"/>
+          </p:cNvSpPr>
+          <p:nvPr>
+            <p:ph type="body" sz="quarter" idx="4294967295"/>
+          </p:nvPr>
+        </p:nvSpPr>
+        <p:spPr>
+          <a:xfrm>
+            <a:off x="7368309" y="3196013"/>
+            <a:ext cx="4699000" cy="1930400"/>
+          </a:xfrm>
+        </p:spPr>
+        <p:txBody>
+          <a:bodyPr/>
+          <a:lstStyle/>
+          <a:p>
+            <a:pPr lvl="0"/>
+            <a:r>
+              <a:rPr lang="en-US" sz="4000"/>
+              <a:t>&lt;input&gt; types</a:t>
+            </a:r>
+            <a:endParaRPr lang="en-US" sz="4000"/>
+          </a:p>
+        </p:txBody>
+      </p:sp>
+    </p:spTree>
+    <p:extLst>
+      <p:ext uri="{BB962C8B-B14F-4D97-AF65-F5344CB8AC3E}">
+        <p14:creationId xmlns:p14="http://schemas.microsoft.com/office/powerpoint/2010/main" val="3757321561"/>
+      </p:ext>
+    </p:extLst>
+  </p:cSld>
+  <p:clrMapOvr>
+    <a:masterClrMapping/>
+  </p:clrMapOvr>
+  <p:timing>
+    <p:tnLst>
+      <p:par>
+        <p:cTn id="1" dur="indefinite" restart="never" nodeType="tmRoot"/>
+      </p:par>
+    </p:tnLst>
+  </p:timing>
+</p:sld>
+</file>
+
+<file path=ppt/slides/slide12.xml><?xml version="1.0" encoding="utf-8"?>
+<p:sld xmlns:a="http://schemas.openxmlformats.org/drawingml/2006/main" xmlns:r="http://schemas.openxmlformats.org/officeDocument/2006/relationships" xmlns:p="http://schemas.openxmlformats.org/presentationml/2006/main">
+  <p:cSld>
+    <p:spTree>
+      <p:nvGrpSpPr>
+        <p:cNvPr id="1" name=""/>
+        <p:cNvGrpSpPr/>
+        <p:nvPr/>
+      </p:nvGrpSpPr>
+      <p:grpSpPr>
+        <a:xfrm>
+          <a:off x="0" y="0"/>
+          <a:ext cx="0" cy="0"/>
+          <a:chOff x="0" y="0"/>
+          <a:chExt cx="0" cy="0"/>
+        </a:xfrm>
+      </p:grpSpPr>
+      <p:pic>
+        <p:nvPicPr>
+          <p:cNvPr id="2" name="Picture 1"/>
+          <p:cNvPicPr>
+            <a:picLocks noChangeAspect="1"/>
+          </p:cNvPicPr>
+          <p:nvPr/>
+        </p:nvPicPr>
+        <p:blipFill>
+          <a:blip r:embed="rId2"/>
+          <a:stretch>
+            <a:fillRect/>
+          </a:stretch>
+        </p:blipFill>
+        <p:spPr>
+          <a:xfrm>
+            <a:off x="3062767" y="133004"/>
+            <a:ext cx="6679749" cy="6640035"/>
+          </a:xfrm>
+          <a:prstGeom prst="rect">
+            <a:avLst/>
+          </a:prstGeom>
+        </p:spPr>
+      </p:pic>
+    </p:spTree>
+    <p:extLst>
+      <p:ext uri="{BB962C8B-B14F-4D97-AF65-F5344CB8AC3E}">
+        <p14:creationId xmlns:p14="http://schemas.microsoft.com/office/powerpoint/2010/main" val="2442953458"/>
+      </p:ext>
+    </p:extLst>
+  </p:cSld>
+  <p:clrMapOvr>
+    <a:masterClrMapping/>
+  </p:clrMapOvr>
+</p:sld>
+</file>
+
+<file path=ppt/slides/slide13.xml><?xml version="1.0" encoding="utf-8"?>
+<p:sld xmlns:a="http://schemas.openxmlformats.org/drawingml/2006/main" xmlns:r="http://schemas.openxmlformats.org/officeDocument/2006/relationships" xmlns:p="http://schemas.openxmlformats.org/presentationml/2006/main">
+  <p:cSld>
+    <p:spTree>
+      <p:nvGrpSpPr>
+        <p:cNvPr id="1" name=""/>
+        <p:cNvGrpSpPr/>
+        <p:nvPr/>
+      </p:nvGrpSpPr>
+      <p:grpSpPr>
+        <a:xfrm>
+          <a:off x="0" y="0"/>
+          <a:ext cx="0" cy="0"/>
+          <a:chOff x="0" y="0"/>
+          <a:chExt cx="0" cy="0"/>
+        </a:xfrm>
+      </p:grpSpPr>
+      <p:pic>
+        <p:nvPicPr>
+          <p:cNvPr id="5" name="Picture 4"/>
+          <p:cNvPicPr>
+            <a:picLocks noChangeAspect="1"/>
+          </p:cNvPicPr>
+          <p:nvPr/>
+        </p:nvPicPr>
+        <p:blipFill>
+          <a:blip r:embed="rId2"/>
+          <a:stretch>
+            <a:fillRect/>
+          </a:stretch>
+        </p:blipFill>
+        <p:spPr>
+          <a:xfrm>
+            <a:off x="2730274" y="79309"/>
+            <a:ext cx="6754547" cy="6720690"/>
+          </a:xfrm>
+          <a:prstGeom prst="rect">
+            <a:avLst/>
+          </a:prstGeom>
+        </p:spPr>
+      </p:pic>
+    </p:spTree>
+    <p:extLst>
+      <p:ext uri="{BB962C8B-B14F-4D97-AF65-F5344CB8AC3E}">
+        <p14:creationId xmlns:p14="http://schemas.microsoft.com/office/powerpoint/2010/main" val="2953077633"/>
+      </p:ext>
+    </p:extLst>
+  </p:cSld>
+  <p:clrMapOvr>
+    <a:masterClrMapping/>
+  </p:clrMapOvr>
+</p:sld>
+</file>
+
+<file path=ppt/slides/slide14.xml><?xml version="1.0" encoding="utf-8"?>
+<p:sld xmlns:a="http://schemas.openxmlformats.org/drawingml/2006/main" xmlns:r="http://schemas.openxmlformats.org/officeDocument/2006/relationships" xmlns:p="http://schemas.openxmlformats.org/presentationml/2006/main">
+  <p:cSld>
+    <p:spTree>
+      <p:nvGrpSpPr>
+        <p:cNvPr id="1" name=""/>
+        <p:cNvGrpSpPr/>
+        <p:nvPr/>
+      </p:nvGrpSpPr>
+      <p:grpSpPr>
+        <a:xfrm>
+          <a:off x="0" y="0"/>
+          <a:ext cx="0" cy="0"/>
+          <a:chOff x="0" y="0"/>
+          <a:chExt cx="0" cy="0"/>
+        </a:xfrm>
+      </p:grpSpPr>
+      <p:pic>
+        <p:nvPicPr>
+          <p:cNvPr id="5" name="Picture 4"/>
+          <p:cNvPicPr>
+            <a:picLocks noChangeAspect="1"/>
+          </p:cNvPicPr>
+          <p:nvPr/>
+        </p:nvPicPr>
+        <p:blipFill>
+          <a:blip r:embed="rId2"/>
+          <a:stretch>
+            <a:fillRect/>
+          </a:stretch>
+        </p:blipFill>
+        <p:spPr>
+          <a:xfrm>
+            <a:off x="2103801" y="83652"/>
+            <a:ext cx="7602011" cy="6125430"/>
+          </a:xfrm>
+          <a:prstGeom prst="rect">
+            <a:avLst/>
+          </a:prstGeom>
+        </p:spPr>
+      </p:pic>
+    </p:spTree>
+    <p:extLst>
+      <p:ext uri="{BB962C8B-B14F-4D97-AF65-F5344CB8AC3E}">
+        <p14:creationId xmlns:p14="http://schemas.microsoft.com/office/powerpoint/2010/main" val="2822446680"/>
+      </p:ext>
+    </p:extLst>
+  </p:cSld>
+  <p:clrMapOvr>
+    <a:masterClrMapping/>
+  </p:clrMapOvr>
+</p:sld>
+</file>
+
+<file path=ppt/slides/slide15.xml><?xml version="1.0" encoding="utf-8"?>
+<p:sld xmlns:a="http://schemas.openxmlformats.org/drawingml/2006/main" xmlns:r="http://schemas.openxmlformats.org/officeDocument/2006/relationships" xmlns:p="http://schemas.openxmlformats.org/presentationml/2006/main">
+  <p:cSld>
+    <p:spTree>
+      <p:nvGrpSpPr>
+        <p:cNvPr id="1" name=""/>
+        <p:cNvGrpSpPr/>
+        <p:nvPr/>
+      </p:nvGrpSpPr>
+      <p:grpSpPr>
+        <a:xfrm>
+          <a:off x="0" y="0"/>
+          <a:ext cx="0" cy="0"/>
+          <a:chOff x="0" y="0"/>
+          <a:chExt cx="0" cy="0"/>
+        </a:xfrm>
+      </p:grpSpPr>
+      <p:pic>
+        <p:nvPicPr>
+          <p:cNvPr id="5" name="Picture 4"/>
+          <p:cNvPicPr>
+            <a:picLocks noChangeAspect="1"/>
+          </p:cNvPicPr>
+          <p:nvPr/>
+        </p:nvPicPr>
+        <p:blipFill>
+          <a:blip r:embed="rId2"/>
+          <a:stretch>
+            <a:fillRect/>
+          </a:stretch>
+        </p:blipFill>
+        <p:spPr>
+          <a:xfrm>
+            <a:off x="1958114" y="536244"/>
+            <a:ext cx="8192643" cy="5153744"/>
+          </a:xfrm>
+          <a:prstGeom prst="rect">
+            <a:avLst/>
+          </a:prstGeom>
+        </p:spPr>
+      </p:pic>
+    </p:spTree>
+    <p:extLst>
+      <p:ext uri="{BB962C8B-B14F-4D97-AF65-F5344CB8AC3E}">
+        <p14:creationId xmlns:p14="http://schemas.microsoft.com/office/powerpoint/2010/main" val="3529560787"/>
+      </p:ext>
+    </p:extLst>
+  </p:cSld>
+  <p:clrMapOvr>
+    <a:masterClrMapping/>
+  </p:clrMapOvr>
+</p:sld>
+</file>
+
+<file path=ppt/slides/slide16.xml><?xml version="1.0" encoding="utf-8"?>
+<p:sld xmlns:a="http://schemas.openxmlformats.org/drawingml/2006/main" xmlns:r="http://schemas.openxmlformats.org/officeDocument/2006/relationships" xmlns:p="http://schemas.openxmlformats.org/presentationml/2006/main">
+  <p:cSld>
+    <p:spTree>
+      <p:nvGrpSpPr>
+        <p:cNvPr id="1" name=""/>
+        <p:cNvGrpSpPr/>
+        <p:nvPr/>
+      </p:nvGrpSpPr>
+      <p:grpSpPr>
+        <a:xfrm>
+          <a:off x="0" y="0"/>
+          <a:ext cx="0" cy="0"/>
+          <a:chOff x="0" y="0"/>
+          <a:chExt cx="0" cy="0"/>
+        </a:xfrm>
+      </p:grpSpPr>
+      <p:pic>
+        <p:nvPicPr>
+          <p:cNvPr id="5" name="Picture 4"/>
+          <p:cNvPicPr>
+            <a:picLocks noChangeAspect="1"/>
+          </p:cNvPicPr>
+          <p:nvPr/>
+        </p:nvPicPr>
+        <p:blipFill>
+          <a:blip r:embed="rId2"/>
+          <a:stretch>
+            <a:fillRect/>
+          </a:stretch>
+        </p:blipFill>
+        <p:spPr>
+          <a:xfrm>
+            <a:off x="1645233" y="197603"/>
+            <a:ext cx="8602275" cy="6163535"/>
+          </a:xfrm>
+          <a:prstGeom prst="rect">
+            <a:avLst/>
+          </a:prstGeom>
+        </p:spPr>
+      </p:pic>
+    </p:spTree>
+    <p:extLst>
+      <p:ext uri="{BB962C8B-B14F-4D97-AF65-F5344CB8AC3E}">
+        <p14:creationId xmlns:p14="http://schemas.microsoft.com/office/powerpoint/2010/main" val="2171351116"/>
+      </p:ext>
+    </p:extLst>
+  </p:cSld>
+  <p:clrMapOvr>
+    <a:masterClrMapping/>
+  </p:clrMapOvr>
+</p:sld>
+</file>
+
+<file path=ppt/slides/slide17.xml><?xml version="1.0" encoding="utf-8"?>
+<p:sld xmlns:a="http://schemas.openxmlformats.org/drawingml/2006/main" xmlns:r="http://schemas.openxmlformats.org/officeDocument/2006/relationships" xmlns:p="http://schemas.openxmlformats.org/presentationml/2006/main">
+  <p:cSld>
+    <p:spTree>
+      <p:nvGrpSpPr>
+        <p:cNvPr id="1" name=""/>
+        <p:cNvGrpSpPr/>
+        <p:nvPr/>
+      </p:nvGrpSpPr>
+      <p:grpSpPr>
+        <a:xfrm>
+          <a:off x="0" y="0"/>
+          <a:ext cx="0" cy="0"/>
+          <a:chOff x="0" y="0"/>
+          <a:chExt cx="0" cy="0"/>
+        </a:xfrm>
+      </p:grpSpPr>
+      <p:pic>
+        <p:nvPicPr>
+          <p:cNvPr id="5" name="Picture 4"/>
+          <p:cNvPicPr>
+            <a:picLocks noChangeAspect="1"/>
+          </p:cNvPicPr>
+          <p:nvPr/>
+        </p:nvPicPr>
+        <p:blipFill>
+          <a:blip r:embed="rId2"/>
+          <a:stretch>
+            <a:fillRect/>
+          </a:stretch>
+        </p:blipFill>
+        <p:spPr>
+          <a:xfrm>
+            <a:off x="906221" y="563736"/>
+            <a:ext cx="8929421" cy="3667441"/>
+          </a:xfrm>
+          <a:prstGeom prst="rect">
+            <a:avLst/>
+          </a:prstGeom>
+        </p:spPr>
+      </p:pic>
+    </p:spTree>
+    <p:extLst>
+      <p:ext uri="{BB962C8B-B14F-4D97-AF65-F5344CB8AC3E}">
+        <p14:creationId xmlns:p14="http://schemas.microsoft.com/office/powerpoint/2010/main" val="1099212277"/>
+      </p:ext>
+    </p:extLst>
+  </p:cSld>
+  <p:clrMapOvr>
+    <a:masterClrMapping/>
+  </p:clrMapOvr>
+</p:sld>
+</file>
+
+<file path=ppt/slides/slide18.xml><?xml version="1.0" encoding="utf-8"?>
+<p:sld xmlns:a="http://schemas.openxmlformats.org/drawingml/2006/main" xmlns:r="http://schemas.openxmlformats.org/officeDocument/2006/relationships" xmlns:p="http://schemas.openxmlformats.org/presentationml/2006/main">
+  <p:cSld>
+    <p:spTree>
+      <p:nvGrpSpPr>
+        <p:cNvPr id="1" name=""/>
+        <p:cNvGrpSpPr/>
+        <p:nvPr/>
+      </p:nvGrpSpPr>
+      <p:grpSpPr>
+        <a:xfrm>
+          <a:off x="0" y="0"/>
+          <a:ext cx="0" cy="0"/>
+          <a:chOff x="0" y="0"/>
+          <a:chExt cx="0" cy="0"/>
+        </a:xfrm>
+      </p:grpSpPr>
+      <p:pic>
+        <p:nvPicPr>
+          <p:cNvPr id="5" name="Picture 4"/>
+          <p:cNvPicPr>
+            <a:picLocks noChangeAspect="1"/>
+          </p:cNvPicPr>
+          <p:nvPr/>
+        </p:nvPicPr>
+        <p:blipFill>
+          <a:blip r:embed="rId2"/>
+          <a:stretch>
+            <a:fillRect/>
+          </a:stretch>
+        </p:blipFill>
+        <p:spPr>
+          <a:xfrm>
+            <a:off x="2123520" y="1161733"/>
+            <a:ext cx="7944959" cy="4534533"/>
+          </a:xfrm>
+          <a:prstGeom prst="rect">
+            <a:avLst/>
+          </a:prstGeom>
+        </p:spPr>
+      </p:pic>
+    </p:spTree>
+    <p:extLst>
+      <p:ext uri="{BB962C8B-B14F-4D97-AF65-F5344CB8AC3E}">
+        <p14:creationId xmlns:p14="http://schemas.microsoft.com/office/powerpoint/2010/main" val="305897049"/>
+      </p:ext>
+    </p:extLst>
+  </p:cSld>
+  <p:clrMapOvr>
+    <a:masterClrMapping/>
+  </p:clrMapOvr>
+</p:sld>
+</file>
+
+<file path=ppt/slides/slide19.xml><?xml version="1.0" encoding="utf-8"?>
+<p:sld xmlns:a="http://schemas.openxmlformats.org/drawingml/2006/main" xmlns:r="http://schemas.openxmlformats.org/officeDocument/2006/relationships" xmlns:p="http://schemas.openxmlformats.org/presentationml/2006/main">
+  <p:cSld>
+    <p:spTree>
+      <p:nvGrpSpPr>
+        <p:cNvPr id="1" name=""/>
+        <p:cNvGrpSpPr/>
+        <p:nvPr/>
+      </p:nvGrpSpPr>
+      <p:grpSpPr>
+        <a:xfrm>
+          <a:off x="0" y="0"/>
+          <a:ext cx="0" cy="0"/>
+          <a:chOff x="0" y="0"/>
+          <a:chExt cx="0" cy="0"/>
+        </a:xfrm>
+      </p:grpSpPr>
+      <p:pic>
+        <p:nvPicPr>
+          <p:cNvPr id="5" name="Picture 4"/>
+          <p:cNvPicPr>
+            <a:picLocks noChangeAspect="1"/>
+          </p:cNvPicPr>
+          <p:nvPr/>
+        </p:nvPicPr>
+        <p:blipFill>
+          <a:blip r:embed="rId2"/>
+          <a:stretch>
+            <a:fillRect/>
+          </a:stretch>
+        </p:blipFill>
+        <p:spPr>
+          <a:xfrm>
+            <a:off x="2175915" y="394864"/>
+            <a:ext cx="7840169" cy="6068272"/>
+          </a:xfrm>
+          <a:prstGeom prst="rect">
+            <a:avLst/>
+          </a:prstGeom>
+        </p:spPr>
+      </p:pic>
+    </p:spTree>
+    <p:extLst>
+      <p:ext uri="{BB962C8B-B14F-4D97-AF65-F5344CB8AC3E}">
+        <p14:creationId xmlns:p14="http://schemas.microsoft.com/office/powerpoint/2010/main" val="3308777498"/>
+      </p:ext>
+    </p:extLst>
+  </p:cSld>
+  <p:clrMapOvr>
+    <a:masterClrMapping/>
+  </p:clrMapOvr>
 </p:sld>
 </file>
 
@@ -7766,7 +8447,7 @@
           <p:nvPr>
             <p:extLst>
               <p:ext uri="{D42A27DB-BD31-4B8C-83A1-F6EECF244321}">
-                <p14:modId xmlns:p14="http://schemas.microsoft.com/office/powerpoint/2010/main" val="4134812727"/>
+                <p14:modId xmlns:p14="http://schemas.microsoft.com/office/powerpoint/2010/main" val="2120204883"/>
               </p:ext>
             </p:extLst>
           </p:nvPr>
@@ -7824,6 +8505,605 @@
 </p:sld>
 </file>
 
+<file path=ppt/slides/slide20.xml><?xml version="1.0" encoding="utf-8"?>
+<p:sld xmlns:a="http://schemas.openxmlformats.org/drawingml/2006/main" xmlns:r="http://schemas.openxmlformats.org/officeDocument/2006/relationships" xmlns:p="http://schemas.openxmlformats.org/presentationml/2006/main">
+  <p:cSld>
+    <p:spTree>
+      <p:nvGrpSpPr>
+        <p:cNvPr id="1" name=""/>
+        <p:cNvGrpSpPr/>
+        <p:nvPr/>
+      </p:nvGrpSpPr>
+      <p:grpSpPr>
+        <a:xfrm>
+          <a:off x="0" y="0"/>
+          <a:ext cx="0" cy="0"/>
+          <a:chOff x="0" y="0"/>
+          <a:chExt cx="0" cy="0"/>
+        </a:xfrm>
+      </p:grpSpPr>
+      <p:sp>
+        <p:nvSpPr>
+          <p:cNvPr id="5" name="Text Placeholder 4"/>
+          <p:cNvSpPr>
+            <a:spLocks noGrp="1"/>
+          </p:cNvSpPr>
+          <p:nvPr>
+            <p:ph type="body" sz="quarter" idx="10"/>
+          </p:nvPr>
+        </p:nvSpPr>
+        <p:spPr/>
+        <p:txBody>
+          <a:bodyPr/>
+          <a:lstStyle/>
+          <a:p>
+            <a:r>
+              <a:rPr lang="en-US" smtClean="0"/>
+              <a:t>HTML</a:t>
+            </a:r>
+            <a:endParaRPr lang="sr-Latn-RS" smtClean="0"/>
+          </a:p>
+        </p:txBody>
+      </p:sp>
+      <p:sp>
+        <p:nvSpPr>
+          <p:cNvPr id="6" name="Text Placeholder 5"/>
+          <p:cNvSpPr>
+            <a:spLocks noGrp="1"/>
+          </p:cNvSpPr>
+          <p:nvPr>
+            <p:ph type="body" sz="quarter" idx="4294967295"/>
+          </p:nvPr>
+        </p:nvSpPr>
+        <p:spPr>
+          <a:xfrm>
+            <a:off x="7368309" y="3196013"/>
+            <a:ext cx="4699000" cy="1930400"/>
+          </a:xfrm>
+        </p:spPr>
+        <p:txBody>
+          <a:bodyPr/>
+          <a:lstStyle/>
+          <a:p>
+            <a:pPr lvl="0"/>
+            <a:r>
+              <a:rPr lang="en-US" sz="4000" smtClean="0"/>
+              <a:t>Drop down lists</a:t>
+            </a:r>
+            <a:endParaRPr lang="en-US" sz="4000"/>
+          </a:p>
+        </p:txBody>
+      </p:sp>
+    </p:spTree>
+    <p:extLst>
+      <p:ext uri="{BB962C8B-B14F-4D97-AF65-F5344CB8AC3E}">
+        <p14:creationId xmlns:p14="http://schemas.microsoft.com/office/powerpoint/2010/main" val="1530407426"/>
+      </p:ext>
+    </p:extLst>
+  </p:cSld>
+  <p:clrMapOvr>
+    <a:masterClrMapping/>
+  </p:clrMapOvr>
+  <p:timing>
+    <p:tnLst>
+      <p:par>
+        <p:cTn id="1" dur="indefinite" restart="never" nodeType="tmRoot"/>
+      </p:par>
+    </p:tnLst>
+  </p:timing>
+</p:sld>
+</file>
+
+<file path=ppt/slides/slide21.xml><?xml version="1.0" encoding="utf-8"?>
+<p:sld xmlns:a="http://schemas.openxmlformats.org/drawingml/2006/main" xmlns:r="http://schemas.openxmlformats.org/officeDocument/2006/relationships" xmlns:p="http://schemas.openxmlformats.org/presentationml/2006/main">
+  <p:cSld>
+    <p:spTree>
+      <p:nvGrpSpPr>
+        <p:cNvPr id="1" name=""/>
+        <p:cNvGrpSpPr/>
+        <p:nvPr/>
+      </p:nvGrpSpPr>
+      <p:grpSpPr>
+        <a:xfrm>
+          <a:off x="0" y="0"/>
+          <a:ext cx="0" cy="0"/>
+          <a:chOff x="0" y="0"/>
+          <a:chExt cx="0" cy="0"/>
+        </a:xfrm>
+      </p:grpSpPr>
+      <p:pic>
+        <p:nvPicPr>
+          <p:cNvPr id="2" name="Picture 1"/>
+          <p:cNvPicPr>
+            <a:picLocks noChangeAspect="1"/>
+          </p:cNvPicPr>
+          <p:nvPr/>
+        </p:nvPicPr>
+        <p:blipFill>
+          <a:blip r:embed="rId2"/>
+          <a:stretch>
+            <a:fillRect/>
+          </a:stretch>
+        </p:blipFill>
+        <p:spPr>
+          <a:xfrm>
+            <a:off x="1637678" y="485364"/>
+            <a:ext cx="8916644" cy="5887272"/>
+          </a:xfrm>
+          <a:prstGeom prst="rect">
+            <a:avLst/>
+          </a:prstGeom>
+        </p:spPr>
+      </p:pic>
+    </p:spTree>
+    <p:extLst>
+      <p:ext uri="{BB962C8B-B14F-4D97-AF65-F5344CB8AC3E}">
+        <p14:creationId xmlns:p14="http://schemas.microsoft.com/office/powerpoint/2010/main" val="3739768429"/>
+      </p:ext>
+    </p:extLst>
+  </p:cSld>
+  <p:clrMapOvr>
+    <a:masterClrMapping/>
+  </p:clrMapOvr>
+</p:sld>
+</file>
+
+<file path=ppt/slides/slide22.xml><?xml version="1.0" encoding="utf-8"?>
+<p:sld xmlns:a="http://schemas.openxmlformats.org/drawingml/2006/main" xmlns:r="http://schemas.openxmlformats.org/officeDocument/2006/relationships" xmlns:p="http://schemas.openxmlformats.org/presentationml/2006/main">
+  <p:cSld>
+    <p:spTree>
+      <p:nvGrpSpPr>
+        <p:cNvPr id="1" name=""/>
+        <p:cNvGrpSpPr/>
+        <p:nvPr/>
+      </p:nvGrpSpPr>
+      <p:grpSpPr>
+        <a:xfrm>
+          <a:off x="0" y="0"/>
+          <a:ext cx="0" cy="0"/>
+          <a:chOff x="0" y="0"/>
+          <a:chExt cx="0" cy="0"/>
+        </a:xfrm>
+      </p:grpSpPr>
+      <p:pic>
+        <p:nvPicPr>
+          <p:cNvPr id="5" name="Picture 4"/>
+          <p:cNvPicPr>
+            <a:picLocks noChangeAspect="1"/>
+          </p:cNvPicPr>
+          <p:nvPr/>
+        </p:nvPicPr>
+        <p:blipFill>
+          <a:blip r:embed="rId2"/>
+          <a:stretch>
+            <a:fillRect/>
+          </a:stretch>
+        </p:blipFill>
+        <p:spPr>
+          <a:xfrm>
+            <a:off x="2180678" y="1099812"/>
+            <a:ext cx="7830643" cy="4658375"/>
+          </a:xfrm>
+          <a:prstGeom prst="rect">
+            <a:avLst/>
+          </a:prstGeom>
+        </p:spPr>
+      </p:pic>
+    </p:spTree>
+    <p:extLst>
+      <p:ext uri="{BB962C8B-B14F-4D97-AF65-F5344CB8AC3E}">
+        <p14:creationId xmlns:p14="http://schemas.microsoft.com/office/powerpoint/2010/main" val="2557018725"/>
+      </p:ext>
+    </p:extLst>
+  </p:cSld>
+  <p:clrMapOvr>
+    <a:masterClrMapping/>
+  </p:clrMapOvr>
+</p:sld>
+</file>
+
+<file path=ppt/slides/slide23.xml><?xml version="1.0" encoding="utf-8"?>
+<p:sld xmlns:a="http://schemas.openxmlformats.org/drawingml/2006/main" xmlns:r="http://schemas.openxmlformats.org/officeDocument/2006/relationships" xmlns:p="http://schemas.openxmlformats.org/presentationml/2006/main">
+  <p:cSld>
+    <p:spTree>
+      <p:nvGrpSpPr>
+        <p:cNvPr id="1" name=""/>
+        <p:cNvGrpSpPr/>
+        <p:nvPr/>
+      </p:nvGrpSpPr>
+      <p:grpSpPr>
+        <a:xfrm>
+          <a:off x="0" y="0"/>
+          <a:ext cx="0" cy="0"/>
+          <a:chOff x="0" y="0"/>
+          <a:chExt cx="0" cy="0"/>
+        </a:xfrm>
+      </p:grpSpPr>
+      <p:pic>
+        <p:nvPicPr>
+          <p:cNvPr id="5" name="Picture 4"/>
+          <p:cNvPicPr>
+            <a:picLocks noChangeAspect="1"/>
+          </p:cNvPicPr>
+          <p:nvPr/>
+        </p:nvPicPr>
+        <p:blipFill>
+          <a:blip r:embed="rId2"/>
+          <a:stretch>
+            <a:fillRect/>
+          </a:stretch>
+        </p:blipFill>
+        <p:spPr>
+          <a:xfrm>
+            <a:off x="2366442" y="1280812"/>
+            <a:ext cx="7459116" cy="4296375"/>
+          </a:xfrm>
+          <a:prstGeom prst="rect">
+            <a:avLst/>
+          </a:prstGeom>
+        </p:spPr>
+      </p:pic>
+    </p:spTree>
+    <p:extLst>
+      <p:ext uri="{BB962C8B-B14F-4D97-AF65-F5344CB8AC3E}">
+        <p14:creationId xmlns:p14="http://schemas.microsoft.com/office/powerpoint/2010/main" val="2693554504"/>
+      </p:ext>
+    </p:extLst>
+  </p:cSld>
+  <p:clrMapOvr>
+    <a:masterClrMapping/>
+  </p:clrMapOvr>
+</p:sld>
+</file>
+
+<file path=ppt/slides/slide24.xml><?xml version="1.0" encoding="utf-8"?>
+<p:sld xmlns:a="http://schemas.openxmlformats.org/drawingml/2006/main" xmlns:r="http://schemas.openxmlformats.org/officeDocument/2006/relationships" xmlns:p="http://schemas.openxmlformats.org/presentationml/2006/main">
+  <p:cSld>
+    <p:spTree>
+      <p:nvGrpSpPr>
+        <p:cNvPr id="1" name=""/>
+        <p:cNvGrpSpPr/>
+        <p:nvPr/>
+      </p:nvGrpSpPr>
+      <p:grpSpPr>
+        <a:xfrm>
+          <a:off x="0" y="0"/>
+          <a:ext cx="0" cy="0"/>
+          <a:chOff x="0" y="0"/>
+          <a:chExt cx="0" cy="0"/>
+        </a:xfrm>
+      </p:grpSpPr>
+      <p:pic>
+        <p:nvPicPr>
+          <p:cNvPr id="5" name="Picture 4"/>
+          <p:cNvPicPr>
+            <a:picLocks noChangeAspect="1"/>
+          </p:cNvPicPr>
+          <p:nvPr/>
+        </p:nvPicPr>
+        <p:blipFill>
+          <a:blip r:embed="rId2"/>
+          <a:stretch>
+            <a:fillRect/>
+          </a:stretch>
+        </p:blipFill>
+        <p:spPr>
+          <a:xfrm>
+            <a:off x="411947" y="74308"/>
+            <a:ext cx="8192643" cy="6011114"/>
+          </a:xfrm>
+          <a:prstGeom prst="rect">
+            <a:avLst/>
+          </a:prstGeom>
+        </p:spPr>
+      </p:pic>
+      <p:pic>
+        <p:nvPicPr>
+          <p:cNvPr id="6" name="Picture 5"/>
+          <p:cNvPicPr>
+            <a:picLocks noChangeAspect="1"/>
+          </p:cNvPicPr>
+          <p:nvPr/>
+        </p:nvPicPr>
+        <p:blipFill>
+          <a:blip r:embed="rId3"/>
+          <a:stretch>
+            <a:fillRect/>
+          </a:stretch>
+        </p:blipFill>
+        <p:spPr>
+          <a:xfrm>
+            <a:off x="5940248" y="4068104"/>
+            <a:ext cx="4982675" cy="1113222"/>
+          </a:xfrm>
+          <a:prstGeom prst="rect">
+            <a:avLst/>
+          </a:prstGeom>
+        </p:spPr>
+      </p:pic>
+    </p:spTree>
+    <p:extLst>
+      <p:ext uri="{BB962C8B-B14F-4D97-AF65-F5344CB8AC3E}">
+        <p14:creationId xmlns:p14="http://schemas.microsoft.com/office/powerpoint/2010/main" val="2476272733"/>
+      </p:ext>
+    </p:extLst>
+  </p:cSld>
+  <p:clrMapOvr>
+    <a:masterClrMapping/>
+  </p:clrMapOvr>
+</p:sld>
+</file>
+
+<file path=ppt/slides/slide25.xml><?xml version="1.0" encoding="utf-8"?>
+<p:sld xmlns:a="http://schemas.openxmlformats.org/drawingml/2006/main" xmlns:r="http://schemas.openxmlformats.org/officeDocument/2006/relationships" xmlns:p="http://schemas.openxmlformats.org/presentationml/2006/main">
+  <p:cSld>
+    <p:spTree>
+      <p:nvGrpSpPr>
+        <p:cNvPr id="1" name=""/>
+        <p:cNvGrpSpPr/>
+        <p:nvPr/>
+      </p:nvGrpSpPr>
+      <p:grpSpPr>
+        <a:xfrm>
+          <a:off x="0" y="0"/>
+          <a:ext cx="0" cy="0"/>
+          <a:chOff x="0" y="0"/>
+          <a:chExt cx="0" cy="0"/>
+        </a:xfrm>
+      </p:grpSpPr>
+      <p:pic>
+        <p:nvPicPr>
+          <p:cNvPr id="5" name="Picture 4"/>
+          <p:cNvPicPr>
+            <a:picLocks noChangeAspect="1"/>
+          </p:cNvPicPr>
+          <p:nvPr/>
+        </p:nvPicPr>
+        <p:blipFill>
+          <a:blip r:embed="rId2"/>
+          <a:stretch>
+            <a:fillRect/>
+          </a:stretch>
+        </p:blipFill>
+        <p:spPr>
+          <a:xfrm>
+            <a:off x="1809152" y="1480865"/>
+            <a:ext cx="8573696" cy="3896269"/>
+          </a:xfrm>
+          <a:prstGeom prst="rect">
+            <a:avLst/>
+          </a:prstGeom>
+        </p:spPr>
+      </p:pic>
+    </p:spTree>
+    <p:extLst>
+      <p:ext uri="{BB962C8B-B14F-4D97-AF65-F5344CB8AC3E}">
+        <p14:creationId xmlns:p14="http://schemas.microsoft.com/office/powerpoint/2010/main" val="4101155202"/>
+      </p:ext>
+    </p:extLst>
+  </p:cSld>
+  <p:clrMapOvr>
+    <a:masterClrMapping/>
+  </p:clrMapOvr>
+</p:sld>
+</file>
+
+<file path=ppt/slides/slide26.xml><?xml version="1.0" encoding="utf-8"?>
+<p:sld xmlns:a="http://schemas.openxmlformats.org/drawingml/2006/main" xmlns:r="http://schemas.openxmlformats.org/officeDocument/2006/relationships" xmlns:p="http://schemas.openxmlformats.org/presentationml/2006/main">
+  <p:cSld>
+    <p:spTree>
+      <p:nvGrpSpPr>
+        <p:cNvPr id="1" name=""/>
+        <p:cNvGrpSpPr/>
+        <p:nvPr/>
+      </p:nvGrpSpPr>
+      <p:grpSpPr>
+        <a:xfrm>
+          <a:off x="0" y="0"/>
+          <a:ext cx="0" cy="0"/>
+          <a:chOff x="0" y="0"/>
+          <a:chExt cx="0" cy="0"/>
+        </a:xfrm>
+      </p:grpSpPr>
+      <p:pic>
+        <p:nvPicPr>
+          <p:cNvPr id="5" name="Picture 4"/>
+          <p:cNvPicPr>
+            <a:picLocks noChangeAspect="1"/>
+          </p:cNvPicPr>
+          <p:nvPr/>
+        </p:nvPicPr>
+        <p:blipFill>
+          <a:blip r:embed="rId2"/>
+          <a:stretch>
+            <a:fillRect/>
+          </a:stretch>
+        </p:blipFill>
+        <p:spPr>
+          <a:xfrm>
+            <a:off x="2090178" y="914049"/>
+            <a:ext cx="8011643" cy="5029902"/>
+          </a:xfrm>
+          <a:prstGeom prst="rect">
+            <a:avLst/>
+          </a:prstGeom>
+        </p:spPr>
+      </p:pic>
+    </p:spTree>
+    <p:extLst>
+      <p:ext uri="{BB962C8B-B14F-4D97-AF65-F5344CB8AC3E}">
+        <p14:creationId xmlns:p14="http://schemas.microsoft.com/office/powerpoint/2010/main" val="3873359561"/>
+      </p:ext>
+    </p:extLst>
+  </p:cSld>
+  <p:clrMapOvr>
+    <a:masterClrMapping/>
+  </p:clrMapOvr>
+</p:sld>
+</file>
+
+<file path=ppt/slides/slide27.xml><?xml version="1.0" encoding="utf-8"?>
+<p:sld xmlns:a="http://schemas.openxmlformats.org/drawingml/2006/main" xmlns:r="http://schemas.openxmlformats.org/officeDocument/2006/relationships" xmlns:p="http://schemas.openxmlformats.org/presentationml/2006/main">
+  <p:cSld>
+    <p:spTree>
+      <p:nvGrpSpPr>
+        <p:cNvPr id="1" name=""/>
+        <p:cNvGrpSpPr/>
+        <p:nvPr/>
+      </p:nvGrpSpPr>
+      <p:grpSpPr>
+        <a:xfrm>
+          <a:off x="0" y="0"/>
+          <a:ext cx="0" cy="0"/>
+          <a:chOff x="0" y="0"/>
+          <a:chExt cx="0" cy="0"/>
+        </a:xfrm>
+      </p:grpSpPr>
+      <p:pic>
+        <p:nvPicPr>
+          <p:cNvPr id="5" name="Picture 4"/>
+          <p:cNvPicPr>
+            <a:picLocks noChangeAspect="1"/>
+          </p:cNvPicPr>
+          <p:nvPr/>
+        </p:nvPicPr>
+        <p:blipFill>
+          <a:blip r:embed="rId2"/>
+          <a:stretch>
+            <a:fillRect/>
+          </a:stretch>
+        </p:blipFill>
+        <p:spPr>
+          <a:xfrm>
+            <a:off x="2016876" y="79428"/>
+            <a:ext cx="7235189" cy="6678636"/>
+          </a:xfrm>
+          <a:prstGeom prst="rect">
+            <a:avLst/>
+          </a:prstGeom>
+        </p:spPr>
+      </p:pic>
+    </p:spTree>
+    <p:extLst>
+      <p:ext uri="{BB962C8B-B14F-4D97-AF65-F5344CB8AC3E}">
+        <p14:creationId xmlns:p14="http://schemas.microsoft.com/office/powerpoint/2010/main" val="2746725999"/>
+      </p:ext>
+    </p:extLst>
+  </p:cSld>
+  <p:clrMapOvr>
+    <a:masterClrMapping/>
+  </p:clrMapOvr>
+</p:sld>
+</file>
+
+<file path=ppt/slides/slide28.xml><?xml version="1.0" encoding="utf-8"?>
+<p:sld xmlns:a="http://schemas.openxmlformats.org/drawingml/2006/main" xmlns:r="http://schemas.openxmlformats.org/officeDocument/2006/relationships" xmlns:p="http://schemas.openxmlformats.org/presentationml/2006/main">
+  <p:cSld>
+    <p:spTree>
+      <p:nvGrpSpPr>
+        <p:cNvPr id="1" name=""/>
+        <p:cNvGrpSpPr/>
+        <p:nvPr/>
+      </p:nvGrpSpPr>
+      <p:grpSpPr>
+        <a:xfrm>
+          <a:off x="0" y="0"/>
+          <a:ext cx="0" cy="0"/>
+          <a:chOff x="0" y="0"/>
+          <a:chExt cx="0" cy="0"/>
+        </a:xfrm>
+      </p:grpSpPr>
+      <p:pic>
+        <p:nvPicPr>
+          <p:cNvPr id="5" name="Picture 4"/>
+          <p:cNvPicPr>
+            <a:picLocks noChangeAspect="1"/>
+          </p:cNvPicPr>
+          <p:nvPr/>
+        </p:nvPicPr>
+        <p:blipFill>
+          <a:blip r:embed="rId2"/>
+          <a:stretch>
+            <a:fillRect/>
+          </a:stretch>
+        </p:blipFill>
+        <p:spPr>
+          <a:xfrm>
+            <a:off x="2385494" y="1633287"/>
+            <a:ext cx="7421011" cy="3591426"/>
+          </a:xfrm>
+          <a:prstGeom prst="rect">
+            <a:avLst/>
+          </a:prstGeom>
+        </p:spPr>
+      </p:pic>
+    </p:spTree>
+    <p:extLst>
+      <p:ext uri="{BB962C8B-B14F-4D97-AF65-F5344CB8AC3E}">
+        <p14:creationId xmlns:p14="http://schemas.microsoft.com/office/powerpoint/2010/main" val="2600732977"/>
+      </p:ext>
+    </p:extLst>
+  </p:cSld>
+  <p:clrMapOvr>
+    <a:masterClrMapping/>
+  </p:clrMapOvr>
+</p:sld>
+</file>
+
+<file path=ppt/slides/slide29.xml><?xml version="1.0" encoding="utf-8"?>
+<p:sld xmlns:a="http://schemas.openxmlformats.org/drawingml/2006/main" xmlns:r="http://schemas.openxmlformats.org/officeDocument/2006/relationships" xmlns:p="http://schemas.openxmlformats.org/presentationml/2006/main">
+  <p:cSld>
+    <p:spTree>
+      <p:nvGrpSpPr>
+        <p:cNvPr id="1" name=""/>
+        <p:cNvGrpSpPr/>
+        <p:nvPr/>
+      </p:nvGrpSpPr>
+      <p:grpSpPr>
+        <a:xfrm>
+          <a:off x="0" y="0"/>
+          <a:ext cx="0" cy="0"/>
+          <a:chOff x="0" y="0"/>
+          <a:chExt cx="0" cy="0"/>
+        </a:xfrm>
+      </p:grpSpPr>
+      <p:pic>
+        <p:nvPicPr>
+          <p:cNvPr id="5" name="Picture 4"/>
+          <p:cNvPicPr>
+            <a:picLocks noChangeAspect="1"/>
+          </p:cNvPicPr>
+          <p:nvPr/>
+        </p:nvPicPr>
+        <p:blipFill>
+          <a:blip r:embed="rId2"/>
+          <a:stretch>
+            <a:fillRect/>
+          </a:stretch>
+        </p:blipFill>
+        <p:spPr>
+          <a:xfrm>
+            <a:off x="1993499" y="130280"/>
+            <a:ext cx="7368188" cy="5755131"/>
+          </a:xfrm>
+          <a:prstGeom prst="rect">
+            <a:avLst/>
+          </a:prstGeom>
+        </p:spPr>
+      </p:pic>
+    </p:spTree>
+    <p:extLst>
+      <p:ext uri="{BB962C8B-B14F-4D97-AF65-F5344CB8AC3E}">
+        <p14:creationId xmlns:p14="http://schemas.microsoft.com/office/powerpoint/2010/main" val="1819185457"/>
+      </p:ext>
+    </p:extLst>
+  </p:cSld>
+  <p:clrMapOvr>
+    <a:masterClrMapping/>
+  </p:clrMapOvr>
+</p:sld>
+</file>
+
 <file path=ppt/slides/slide3.xml><?xml version="1.0" encoding="utf-8"?>
 <p:sld xmlns:a="http://schemas.openxmlformats.org/drawingml/2006/main" xmlns:r="http://schemas.openxmlformats.org/officeDocument/2006/relationships" xmlns:p="http://schemas.openxmlformats.org/presentationml/2006/main">
   <p:cSld>
@@ -7895,7 +9175,6 @@
               <a:rPr lang="en-US" smtClean="0"/>
               <a:t>String functions</a:t>
             </a:r>
-            <a:endParaRPr lang="en-US" smtClean="0"/>
           </a:p>
         </p:txBody>
       </p:sp>
@@ -7962,6 +9241,720 @@
 </p:sld>
 </file>
 
+<file path=ppt/slides/slide30.xml><?xml version="1.0" encoding="utf-8"?>
+<p:sld xmlns:a="http://schemas.openxmlformats.org/drawingml/2006/main" xmlns:r="http://schemas.openxmlformats.org/officeDocument/2006/relationships" xmlns:p="http://schemas.openxmlformats.org/presentationml/2006/main">
+  <p:cSld>
+    <p:spTree>
+      <p:nvGrpSpPr>
+        <p:cNvPr id="1" name=""/>
+        <p:cNvGrpSpPr/>
+        <p:nvPr/>
+      </p:nvGrpSpPr>
+      <p:grpSpPr>
+        <a:xfrm>
+          <a:off x="0" y="0"/>
+          <a:ext cx="0" cy="0"/>
+          <a:chOff x="0" y="0"/>
+          <a:chExt cx="0" cy="0"/>
+        </a:xfrm>
+      </p:grpSpPr>
+      <p:sp>
+        <p:nvSpPr>
+          <p:cNvPr id="5" name="Text Placeholder 4"/>
+          <p:cNvSpPr>
+            <a:spLocks noGrp="1"/>
+          </p:cNvSpPr>
+          <p:nvPr>
+            <p:ph type="body" sz="quarter" idx="10"/>
+          </p:nvPr>
+        </p:nvSpPr>
+        <p:spPr/>
+        <p:txBody>
+          <a:bodyPr/>
+          <a:lstStyle/>
+          <a:p>
+            <a:r>
+              <a:rPr lang="en-US" smtClean="0"/>
+              <a:t>HTML</a:t>
+            </a:r>
+            <a:endParaRPr lang="sr-Latn-RS" smtClean="0"/>
+          </a:p>
+        </p:txBody>
+      </p:sp>
+      <p:sp>
+        <p:nvSpPr>
+          <p:cNvPr id="6" name="Text Placeholder 5"/>
+          <p:cNvSpPr>
+            <a:spLocks noGrp="1"/>
+          </p:cNvSpPr>
+          <p:nvPr>
+            <p:ph type="body" sz="quarter" idx="4294967295"/>
+          </p:nvPr>
+        </p:nvSpPr>
+        <p:spPr>
+          <a:xfrm>
+            <a:off x="7368309" y="3196013"/>
+            <a:ext cx="4699000" cy="1930400"/>
+          </a:xfrm>
+        </p:spPr>
+        <p:txBody>
+          <a:bodyPr/>
+          <a:lstStyle/>
+          <a:p>
+            <a:pPr lvl="0"/>
+            <a:r>
+              <a:rPr lang="en-US" sz="4000" smtClean="0"/>
+              <a:t>Advanced controls</a:t>
+            </a:r>
+            <a:endParaRPr lang="en-US" sz="4000"/>
+          </a:p>
+        </p:txBody>
+      </p:sp>
+    </p:spTree>
+    <p:extLst>
+      <p:ext uri="{BB962C8B-B14F-4D97-AF65-F5344CB8AC3E}">
+        <p14:creationId xmlns:p14="http://schemas.microsoft.com/office/powerpoint/2010/main" val="1975109823"/>
+      </p:ext>
+    </p:extLst>
+  </p:cSld>
+  <p:clrMapOvr>
+    <a:masterClrMapping/>
+  </p:clrMapOvr>
+  <p:timing>
+    <p:tnLst>
+      <p:par>
+        <p:cTn id="1" dur="indefinite" restart="never" nodeType="tmRoot"/>
+      </p:par>
+    </p:tnLst>
+  </p:timing>
+</p:sld>
+</file>
+
+<file path=ppt/slides/slide31.xml><?xml version="1.0" encoding="utf-8"?>
+<p:sld xmlns:a="http://schemas.openxmlformats.org/drawingml/2006/main" xmlns:r="http://schemas.openxmlformats.org/officeDocument/2006/relationships" xmlns:p="http://schemas.openxmlformats.org/presentationml/2006/main">
+  <p:cSld>
+    <p:spTree>
+      <p:nvGrpSpPr>
+        <p:cNvPr id="1" name=""/>
+        <p:cNvGrpSpPr/>
+        <p:nvPr/>
+      </p:nvGrpSpPr>
+      <p:grpSpPr>
+        <a:xfrm>
+          <a:off x="0" y="0"/>
+          <a:ext cx="0" cy="0"/>
+          <a:chOff x="0" y="0"/>
+          <a:chExt cx="0" cy="0"/>
+        </a:xfrm>
+      </p:grpSpPr>
+      <p:pic>
+        <p:nvPicPr>
+          <p:cNvPr id="6" name="Picture 5"/>
+          <p:cNvPicPr>
+            <a:picLocks noChangeAspect="1"/>
+          </p:cNvPicPr>
+          <p:nvPr/>
+        </p:nvPicPr>
+        <p:blipFill>
+          <a:blip r:embed="rId2"/>
+          <a:stretch>
+            <a:fillRect/>
+          </a:stretch>
+        </p:blipFill>
+        <p:spPr>
+          <a:xfrm>
+            <a:off x="2247363" y="1080760"/>
+            <a:ext cx="7697274" cy="4696480"/>
+          </a:xfrm>
+          <a:prstGeom prst="rect">
+            <a:avLst/>
+          </a:prstGeom>
+        </p:spPr>
+      </p:pic>
+    </p:spTree>
+    <p:extLst>
+      <p:ext uri="{BB962C8B-B14F-4D97-AF65-F5344CB8AC3E}">
+        <p14:creationId xmlns:p14="http://schemas.microsoft.com/office/powerpoint/2010/main" val="303144107"/>
+      </p:ext>
+    </p:extLst>
+  </p:cSld>
+  <p:clrMapOvr>
+    <a:masterClrMapping/>
+  </p:clrMapOvr>
+</p:sld>
+</file>
+
+<file path=ppt/slides/slide32.xml><?xml version="1.0" encoding="utf-8"?>
+<p:sld xmlns:a="http://schemas.openxmlformats.org/drawingml/2006/main" xmlns:r="http://schemas.openxmlformats.org/officeDocument/2006/relationships" xmlns:p="http://schemas.openxmlformats.org/presentationml/2006/main">
+  <p:cSld>
+    <p:spTree>
+      <p:nvGrpSpPr>
+        <p:cNvPr id="1" name=""/>
+        <p:cNvGrpSpPr/>
+        <p:nvPr/>
+      </p:nvGrpSpPr>
+      <p:grpSpPr>
+        <a:xfrm>
+          <a:off x="0" y="0"/>
+          <a:ext cx="0" cy="0"/>
+          <a:chOff x="0" y="0"/>
+          <a:chExt cx="0" cy="0"/>
+        </a:xfrm>
+      </p:grpSpPr>
+      <p:pic>
+        <p:nvPicPr>
+          <p:cNvPr id="5" name="Picture 4"/>
+          <p:cNvPicPr>
+            <a:picLocks noChangeAspect="1"/>
+          </p:cNvPicPr>
+          <p:nvPr/>
+        </p:nvPicPr>
+        <p:blipFill>
+          <a:blip r:embed="rId2"/>
+          <a:stretch>
+            <a:fillRect/>
+          </a:stretch>
+        </p:blipFill>
+        <p:spPr>
+          <a:xfrm>
+            <a:off x="1980625" y="1452286"/>
+            <a:ext cx="8230749" cy="3953427"/>
+          </a:xfrm>
+          <a:prstGeom prst="rect">
+            <a:avLst/>
+          </a:prstGeom>
+        </p:spPr>
+      </p:pic>
+    </p:spTree>
+    <p:extLst>
+      <p:ext uri="{BB962C8B-B14F-4D97-AF65-F5344CB8AC3E}">
+        <p14:creationId xmlns:p14="http://schemas.microsoft.com/office/powerpoint/2010/main" val="3929114514"/>
+      </p:ext>
+    </p:extLst>
+  </p:cSld>
+  <p:clrMapOvr>
+    <a:masterClrMapping/>
+  </p:clrMapOvr>
+</p:sld>
+</file>
+
+<file path=ppt/slides/slide33.xml><?xml version="1.0" encoding="utf-8"?>
+<p:sld xmlns:a="http://schemas.openxmlformats.org/drawingml/2006/main" xmlns:r="http://schemas.openxmlformats.org/officeDocument/2006/relationships" xmlns:p="http://schemas.openxmlformats.org/presentationml/2006/main">
+  <p:cSld>
+    <p:spTree>
+      <p:nvGrpSpPr>
+        <p:cNvPr id="1" name=""/>
+        <p:cNvGrpSpPr/>
+        <p:nvPr/>
+      </p:nvGrpSpPr>
+      <p:grpSpPr>
+        <a:xfrm>
+          <a:off x="0" y="0"/>
+          <a:ext cx="0" cy="0"/>
+          <a:chOff x="0" y="0"/>
+          <a:chExt cx="0" cy="0"/>
+        </a:xfrm>
+      </p:grpSpPr>
+      <p:pic>
+        <p:nvPicPr>
+          <p:cNvPr id="5" name="Picture 4"/>
+          <p:cNvPicPr>
+            <a:picLocks noChangeAspect="1"/>
+          </p:cNvPicPr>
+          <p:nvPr/>
+        </p:nvPicPr>
+        <p:blipFill>
+          <a:blip r:embed="rId2"/>
+          <a:stretch>
+            <a:fillRect/>
+          </a:stretch>
+        </p:blipFill>
+        <p:spPr>
+          <a:xfrm>
+            <a:off x="2267629" y="59471"/>
+            <a:ext cx="7640116" cy="6439799"/>
+          </a:xfrm>
+          <a:prstGeom prst="rect">
+            <a:avLst/>
+          </a:prstGeom>
+        </p:spPr>
+      </p:pic>
+    </p:spTree>
+    <p:extLst>
+      <p:ext uri="{BB962C8B-B14F-4D97-AF65-F5344CB8AC3E}">
+        <p14:creationId xmlns:p14="http://schemas.microsoft.com/office/powerpoint/2010/main" val="4153813550"/>
+      </p:ext>
+    </p:extLst>
+  </p:cSld>
+  <p:clrMapOvr>
+    <a:masterClrMapping/>
+  </p:clrMapOvr>
+</p:sld>
+</file>
+
+<file path=ppt/slides/slide34.xml><?xml version="1.0" encoding="utf-8"?>
+<p:sld xmlns:a="http://schemas.openxmlformats.org/drawingml/2006/main" xmlns:r="http://schemas.openxmlformats.org/officeDocument/2006/relationships" xmlns:p="http://schemas.openxmlformats.org/presentationml/2006/main">
+  <p:cSld>
+    <p:spTree>
+      <p:nvGrpSpPr>
+        <p:cNvPr id="1" name=""/>
+        <p:cNvGrpSpPr/>
+        <p:nvPr/>
+      </p:nvGrpSpPr>
+      <p:grpSpPr>
+        <a:xfrm>
+          <a:off x="0" y="0"/>
+          <a:ext cx="0" cy="0"/>
+          <a:chOff x="0" y="0"/>
+          <a:chExt cx="0" cy="0"/>
+        </a:xfrm>
+      </p:grpSpPr>
+      <p:pic>
+        <p:nvPicPr>
+          <p:cNvPr id="5" name="Picture 4"/>
+          <p:cNvPicPr>
+            <a:picLocks noChangeAspect="1"/>
+          </p:cNvPicPr>
+          <p:nvPr/>
+        </p:nvPicPr>
+        <p:blipFill>
+          <a:blip r:embed="rId2"/>
+          <a:stretch>
+            <a:fillRect/>
+          </a:stretch>
+        </p:blipFill>
+        <p:spPr>
+          <a:xfrm>
+            <a:off x="2218784" y="1185549"/>
+            <a:ext cx="7754432" cy="4486901"/>
+          </a:xfrm>
+          <a:prstGeom prst="rect">
+            <a:avLst/>
+          </a:prstGeom>
+        </p:spPr>
+      </p:pic>
+    </p:spTree>
+    <p:extLst>
+      <p:ext uri="{BB962C8B-B14F-4D97-AF65-F5344CB8AC3E}">
+        <p14:creationId xmlns:p14="http://schemas.microsoft.com/office/powerpoint/2010/main" val="628404307"/>
+      </p:ext>
+    </p:extLst>
+  </p:cSld>
+  <p:clrMapOvr>
+    <a:masterClrMapping/>
+  </p:clrMapOvr>
+</p:sld>
+</file>
+
+<file path=ppt/slides/slide35.xml><?xml version="1.0" encoding="utf-8"?>
+<p:sld xmlns:a="http://schemas.openxmlformats.org/drawingml/2006/main" xmlns:r="http://schemas.openxmlformats.org/officeDocument/2006/relationships" xmlns:p="http://schemas.openxmlformats.org/presentationml/2006/main">
+  <p:cSld>
+    <p:spTree>
+      <p:nvGrpSpPr>
+        <p:cNvPr id="1" name=""/>
+        <p:cNvGrpSpPr/>
+        <p:nvPr/>
+      </p:nvGrpSpPr>
+      <p:grpSpPr>
+        <a:xfrm>
+          <a:off x="0" y="0"/>
+          <a:ext cx="0" cy="0"/>
+          <a:chOff x="0" y="0"/>
+          <a:chExt cx="0" cy="0"/>
+        </a:xfrm>
+      </p:grpSpPr>
+      <p:sp>
+        <p:nvSpPr>
+          <p:cNvPr id="5" name="Text Placeholder 4"/>
+          <p:cNvSpPr>
+            <a:spLocks noGrp="1"/>
+          </p:cNvSpPr>
+          <p:nvPr>
+            <p:ph type="body" sz="quarter" idx="10"/>
+          </p:nvPr>
+        </p:nvSpPr>
+        <p:spPr/>
+        <p:txBody>
+          <a:bodyPr/>
+          <a:lstStyle/>
+          <a:p>
+            <a:r>
+              <a:rPr lang="en-US" smtClean="0"/>
+              <a:t>HTML</a:t>
+            </a:r>
+            <a:endParaRPr lang="sr-Latn-RS" smtClean="0"/>
+          </a:p>
+        </p:txBody>
+      </p:sp>
+      <p:sp>
+        <p:nvSpPr>
+          <p:cNvPr id="6" name="Text Placeholder 5"/>
+          <p:cNvSpPr>
+            <a:spLocks noGrp="1"/>
+          </p:cNvSpPr>
+          <p:nvPr>
+            <p:ph type="body" sz="quarter" idx="4294967295"/>
+          </p:nvPr>
+        </p:nvSpPr>
+        <p:spPr>
+          <a:xfrm>
+            <a:off x="7368309" y="3196013"/>
+            <a:ext cx="4699000" cy="1930400"/>
+          </a:xfrm>
+        </p:spPr>
+        <p:txBody>
+          <a:bodyPr/>
+          <a:lstStyle/>
+          <a:p>
+            <a:pPr lvl="0"/>
+            <a:r>
+              <a:rPr lang="en-US" sz="4000"/>
+              <a:t>Styling forms</a:t>
+            </a:r>
+            <a:endParaRPr lang="en-US" sz="4000"/>
+          </a:p>
+        </p:txBody>
+      </p:sp>
+    </p:spTree>
+    <p:extLst>
+      <p:ext uri="{BB962C8B-B14F-4D97-AF65-F5344CB8AC3E}">
+        <p14:creationId xmlns:p14="http://schemas.microsoft.com/office/powerpoint/2010/main" val="143000730"/>
+      </p:ext>
+    </p:extLst>
+  </p:cSld>
+  <p:clrMapOvr>
+    <a:masterClrMapping/>
+  </p:clrMapOvr>
+  <p:timing>
+    <p:tnLst>
+      <p:par>
+        <p:cTn id="1" dur="indefinite" restart="never" nodeType="tmRoot"/>
+      </p:par>
+    </p:tnLst>
+  </p:timing>
+</p:sld>
+</file>
+
+<file path=ppt/slides/slide36.xml><?xml version="1.0" encoding="utf-8"?>
+<p:sld xmlns:a="http://schemas.openxmlformats.org/drawingml/2006/main" xmlns:r="http://schemas.openxmlformats.org/officeDocument/2006/relationships" xmlns:p="http://schemas.openxmlformats.org/presentationml/2006/main">
+  <p:cSld>
+    <p:spTree>
+      <p:nvGrpSpPr>
+        <p:cNvPr id="1" name=""/>
+        <p:cNvGrpSpPr/>
+        <p:nvPr/>
+      </p:nvGrpSpPr>
+      <p:grpSpPr>
+        <a:xfrm>
+          <a:off x="0" y="0"/>
+          <a:ext cx="0" cy="0"/>
+          <a:chOff x="0" y="0"/>
+          <a:chExt cx="0" cy="0"/>
+        </a:xfrm>
+      </p:grpSpPr>
+      <p:pic>
+        <p:nvPicPr>
+          <p:cNvPr id="2" name="Picture 1"/>
+          <p:cNvPicPr>
+            <a:picLocks noChangeAspect="1"/>
+          </p:cNvPicPr>
+          <p:nvPr/>
+        </p:nvPicPr>
+        <p:blipFill>
+          <a:blip r:embed="rId2"/>
+          <a:stretch>
+            <a:fillRect/>
+          </a:stretch>
+        </p:blipFill>
+        <p:spPr>
+          <a:xfrm>
+            <a:off x="2333100" y="1900024"/>
+            <a:ext cx="7525800" cy="3057952"/>
+          </a:xfrm>
+          <a:prstGeom prst="rect">
+            <a:avLst/>
+          </a:prstGeom>
+        </p:spPr>
+      </p:pic>
+    </p:spTree>
+    <p:extLst>
+      <p:ext uri="{BB962C8B-B14F-4D97-AF65-F5344CB8AC3E}">
+        <p14:creationId xmlns:p14="http://schemas.microsoft.com/office/powerpoint/2010/main" val="1377040799"/>
+      </p:ext>
+    </p:extLst>
+  </p:cSld>
+  <p:clrMapOvr>
+    <a:masterClrMapping/>
+  </p:clrMapOvr>
+</p:sld>
+</file>
+
+<file path=ppt/slides/slide37.xml><?xml version="1.0" encoding="utf-8"?>
+<p:sld xmlns:a="http://schemas.openxmlformats.org/drawingml/2006/main" xmlns:r="http://schemas.openxmlformats.org/officeDocument/2006/relationships" xmlns:p="http://schemas.openxmlformats.org/presentationml/2006/main">
+  <p:cSld>
+    <p:spTree>
+      <p:nvGrpSpPr>
+        <p:cNvPr id="1" name=""/>
+        <p:cNvGrpSpPr/>
+        <p:nvPr/>
+      </p:nvGrpSpPr>
+      <p:grpSpPr>
+        <a:xfrm>
+          <a:off x="0" y="0"/>
+          <a:ext cx="0" cy="0"/>
+          <a:chOff x="0" y="0"/>
+          <a:chExt cx="0" cy="0"/>
+        </a:xfrm>
+      </p:grpSpPr>
+      <p:pic>
+        <p:nvPicPr>
+          <p:cNvPr id="5" name="Picture 4"/>
+          <p:cNvPicPr>
+            <a:picLocks noChangeAspect="1"/>
+          </p:cNvPicPr>
+          <p:nvPr/>
+        </p:nvPicPr>
+        <p:blipFill>
+          <a:blip r:embed="rId2"/>
+          <a:stretch>
+            <a:fillRect/>
+          </a:stretch>
+        </p:blipFill>
+        <p:spPr>
+          <a:xfrm>
+            <a:off x="2142573" y="1599944"/>
+            <a:ext cx="7906853" cy="3658111"/>
+          </a:xfrm>
+          <a:prstGeom prst="rect">
+            <a:avLst/>
+          </a:prstGeom>
+        </p:spPr>
+      </p:pic>
+    </p:spTree>
+    <p:extLst>
+      <p:ext uri="{BB962C8B-B14F-4D97-AF65-F5344CB8AC3E}">
+        <p14:creationId xmlns:p14="http://schemas.microsoft.com/office/powerpoint/2010/main" val="787768592"/>
+      </p:ext>
+    </p:extLst>
+  </p:cSld>
+  <p:clrMapOvr>
+    <a:masterClrMapping/>
+  </p:clrMapOvr>
+</p:sld>
+</file>
+
+<file path=ppt/slides/slide38.xml><?xml version="1.0" encoding="utf-8"?>
+<p:sld xmlns:a="http://schemas.openxmlformats.org/drawingml/2006/main" xmlns:r="http://schemas.openxmlformats.org/officeDocument/2006/relationships" xmlns:p="http://schemas.openxmlformats.org/presentationml/2006/main">
+  <p:cSld>
+    <p:spTree>
+      <p:nvGrpSpPr>
+        <p:cNvPr id="1" name=""/>
+        <p:cNvGrpSpPr/>
+        <p:nvPr/>
+      </p:nvGrpSpPr>
+      <p:grpSpPr>
+        <a:xfrm>
+          <a:off x="0" y="0"/>
+          <a:ext cx="0" cy="0"/>
+          <a:chOff x="0" y="0"/>
+          <a:chExt cx="0" cy="0"/>
+        </a:xfrm>
+      </p:grpSpPr>
+      <p:pic>
+        <p:nvPicPr>
+          <p:cNvPr id="5" name="Picture 4"/>
+          <p:cNvPicPr>
+            <a:picLocks noChangeAspect="1"/>
+          </p:cNvPicPr>
+          <p:nvPr/>
+        </p:nvPicPr>
+        <p:blipFill>
+          <a:blip r:embed="rId2"/>
+          <a:stretch>
+            <a:fillRect/>
+          </a:stretch>
+        </p:blipFill>
+        <p:spPr>
+          <a:xfrm>
+            <a:off x="2328336" y="1728550"/>
+            <a:ext cx="7535327" cy="3400900"/>
+          </a:xfrm>
+          <a:prstGeom prst="rect">
+            <a:avLst/>
+          </a:prstGeom>
+        </p:spPr>
+      </p:pic>
+    </p:spTree>
+    <p:extLst>
+      <p:ext uri="{BB962C8B-B14F-4D97-AF65-F5344CB8AC3E}">
+        <p14:creationId xmlns:p14="http://schemas.microsoft.com/office/powerpoint/2010/main" val="2272754361"/>
+      </p:ext>
+    </p:extLst>
+  </p:cSld>
+  <p:clrMapOvr>
+    <a:masterClrMapping/>
+  </p:clrMapOvr>
+</p:sld>
+</file>
+
+<file path=ppt/slides/slide39.xml><?xml version="1.0" encoding="utf-8"?>
+<p:sld xmlns:a="http://schemas.openxmlformats.org/drawingml/2006/main" xmlns:r="http://schemas.openxmlformats.org/officeDocument/2006/relationships" xmlns:p="http://schemas.openxmlformats.org/presentationml/2006/main">
+  <p:cSld>
+    <p:spTree>
+      <p:nvGrpSpPr>
+        <p:cNvPr id="1" name=""/>
+        <p:cNvGrpSpPr/>
+        <p:nvPr/>
+      </p:nvGrpSpPr>
+      <p:grpSpPr>
+        <a:xfrm>
+          <a:off x="0" y="0"/>
+          <a:ext cx="0" cy="0"/>
+          <a:chOff x="0" y="0"/>
+          <a:chExt cx="0" cy="0"/>
+        </a:xfrm>
+      </p:grpSpPr>
+      <p:sp>
+        <p:nvSpPr>
+          <p:cNvPr id="2" name="Title 1"/>
+          <p:cNvSpPr>
+            <a:spLocks noGrp="1"/>
+          </p:cNvSpPr>
+          <p:nvPr>
+            <p:ph type="title"/>
+          </p:nvPr>
+        </p:nvSpPr>
+        <p:spPr/>
+        <p:txBody>
+          <a:bodyPr/>
+          <a:lstStyle/>
+          <a:p>
+            <a:r>
+              <a:rPr lang="en-US" smtClean="0"/>
+              <a:t>Coding challenge – payment form</a:t>
+            </a:r>
+            <a:endParaRPr lang="sr-Latn-RS"/>
+          </a:p>
+        </p:txBody>
+      </p:sp>
+      <p:sp>
+        <p:nvSpPr>
+          <p:cNvPr id="3" name="Content Placeholder 2"/>
+          <p:cNvSpPr>
+            <a:spLocks noGrp="1"/>
+          </p:cNvSpPr>
+          <p:nvPr>
+            <p:ph sz="half" idx="1"/>
+          </p:nvPr>
+        </p:nvSpPr>
+        <p:spPr/>
+        <p:txBody>
+          <a:bodyPr/>
+          <a:lstStyle/>
+          <a:p>
+            <a:r>
+              <a:rPr lang="sr-Latn-RS"/>
+              <a:t>src\html-form-structure</a:t>
+            </a:r>
+          </a:p>
+        </p:txBody>
+      </p:sp>
+      <p:pic>
+        <p:nvPicPr>
+          <p:cNvPr id="5" name="Content Placeholder 4"/>
+          <p:cNvPicPr>
+            <a:picLocks noGrp="1" noChangeAspect="1"/>
+          </p:cNvPicPr>
+          <p:nvPr>
+            <p:ph sz="half" idx="2"/>
+          </p:nvPr>
+        </p:nvPicPr>
+        <p:blipFill>
+          <a:blip r:embed="rId2"/>
+          <a:stretch>
+            <a:fillRect/>
+          </a:stretch>
+        </p:blipFill>
+        <p:spPr>
+          <a:xfrm>
+            <a:off x="3759824" y="3687676"/>
+            <a:ext cx="5181600" cy="2776946"/>
+          </a:xfrm>
+          <a:prstGeom prst="rect">
+            <a:avLst/>
+          </a:prstGeom>
+        </p:spPr>
+      </p:pic>
+      <p:sp>
+        <p:nvSpPr>
+          <p:cNvPr id="6" name="Rectangle 5"/>
+          <p:cNvSpPr/>
+          <p:nvPr/>
+        </p:nvSpPr>
+        <p:spPr>
+          <a:xfrm>
+            <a:off x="1649776" y="3215351"/>
+            <a:ext cx="9401695" cy="369332"/>
+          </a:xfrm>
+          <a:prstGeom prst="rect">
+            <a:avLst/>
+          </a:prstGeom>
+        </p:spPr>
+        <p:txBody>
+          <a:bodyPr wrap="square">
+            <a:spAutoFit/>
+          </a:bodyPr>
+          <a:lstStyle/>
+          <a:p>
+            <a:r>
+              <a:rPr lang="sr-Latn-RS"/>
+              <a:t>https://developer.mozilla.org/en-US/docs/Learn/HTML/Forms/Styling_HTML_forms</a:t>
+            </a:r>
+          </a:p>
+        </p:txBody>
+      </p:sp>
+      <p:sp>
+        <p:nvSpPr>
+          <p:cNvPr id="7" name="Rectangle 6"/>
+          <p:cNvSpPr/>
+          <p:nvPr/>
+        </p:nvSpPr>
+        <p:spPr>
+          <a:xfrm>
+            <a:off x="3047700" y="2466027"/>
+            <a:ext cx="6096000" cy="369332"/>
+          </a:xfrm>
+          <a:prstGeom prst="rect">
+            <a:avLst/>
+          </a:prstGeom>
+        </p:spPr>
+        <p:txBody>
+          <a:bodyPr>
+            <a:spAutoFit/>
+          </a:bodyPr>
+          <a:lstStyle/>
+          <a:p>
+            <a:r>
+              <a:rPr lang="en-US" smtClean="0"/>
+              <a:t>DOMACI RAD:</a:t>
+            </a:r>
+            <a:endParaRPr lang="sr-Latn-RS"/>
+          </a:p>
+        </p:txBody>
+      </p:sp>
+    </p:spTree>
+    <p:extLst>
+      <p:ext uri="{BB962C8B-B14F-4D97-AF65-F5344CB8AC3E}">
+        <p14:creationId xmlns:p14="http://schemas.microsoft.com/office/powerpoint/2010/main" val="369746836"/>
+      </p:ext>
+    </p:extLst>
+  </p:cSld>
+  <p:clrMapOvr>
+    <a:masterClrMapping/>
+  </p:clrMapOvr>
+</p:sld>
+</file>
+
 <file path=ppt/slides/slide4.xml><?xml version="1.0" encoding="utf-8"?>
 <p:sld xmlns:a="http://schemas.openxmlformats.org/drawingml/2006/main" xmlns:r="http://schemas.openxmlformats.org/officeDocument/2006/relationships" xmlns:p="http://schemas.openxmlformats.org/presentationml/2006/main">
   <p:cSld>
@@ -8022,20 +10015,12 @@
           <a:bodyPr/>
           <a:lstStyle/>
           <a:p>
-            <a:r>
-              <a:rPr lang="en-US" sz="4000" smtClean="0"/>
-              <a:t>&lt;input&gt;</a:t>
-            </a:r>
-            <a:endParaRPr lang="sr-Latn-RS" sz="4000" smtClean="0"/>
-          </a:p>
-          <a:p>
-            <a:r>
-              <a:rPr lang="en-US" sz="4000" smtClean="0">
-                <a:latin typeface="Consolas" panose="020B0609020204030204" pitchFamily="49" charset="0"/>
-              </a:rPr>
-              <a:t>&lt;select&gt;</a:t>
-            </a:r>
-            <a:endParaRPr lang="sr-Latn-RS" sz="4000"/>
+            <a:pPr lvl="0"/>
+            <a:r>
+              <a:rPr lang="en-US" sz="4000"/>
+              <a:t>HTML Forms</a:t>
+            </a:r>
+            <a:endParaRPr lang="en-US" sz="4000"/>
           </a:p>
         </p:txBody>
       </p:sp>
@@ -8056,6 +10041,411 @@
       </p:par>
     </p:tnLst>
   </p:timing>
+</p:sld>
+</file>
+
+<file path=ppt/slides/slide5.xml><?xml version="1.0" encoding="utf-8"?>
+<p:sld xmlns:a="http://schemas.openxmlformats.org/drawingml/2006/main" xmlns:r="http://schemas.openxmlformats.org/officeDocument/2006/relationships" xmlns:p="http://schemas.openxmlformats.org/presentationml/2006/main">
+  <p:cSld>
+    <p:spTree>
+      <p:nvGrpSpPr>
+        <p:cNvPr id="1" name=""/>
+        <p:cNvGrpSpPr/>
+        <p:nvPr/>
+      </p:nvGrpSpPr>
+      <p:grpSpPr>
+        <a:xfrm>
+          <a:off x="0" y="0"/>
+          <a:ext cx="0" cy="0"/>
+          <a:chOff x="0" y="0"/>
+          <a:chExt cx="0" cy="0"/>
+        </a:xfrm>
+      </p:grpSpPr>
+      <p:sp>
+        <p:nvSpPr>
+          <p:cNvPr id="6" name="Title 5"/>
+          <p:cNvSpPr>
+            <a:spLocks noGrp="1"/>
+          </p:cNvSpPr>
+          <p:nvPr>
+            <p:ph type="title"/>
+          </p:nvPr>
+        </p:nvSpPr>
+        <p:spPr/>
+        <p:txBody>
+          <a:bodyPr/>
+          <a:lstStyle/>
+          <a:p>
+            <a:r>
+              <a:rPr lang="en-US" smtClean="0"/>
+              <a:t>Sta su HTML forme?</a:t>
+            </a:r>
+            <a:endParaRPr lang="sr-Latn-RS"/>
+          </a:p>
+        </p:txBody>
+      </p:sp>
+      <p:pic>
+        <p:nvPicPr>
+          <p:cNvPr id="9" name="Picture 8"/>
+          <p:cNvPicPr>
+            <a:picLocks noChangeAspect="1"/>
+          </p:cNvPicPr>
+          <p:nvPr/>
+        </p:nvPicPr>
+        <p:blipFill>
+          <a:blip r:embed="rId2"/>
+          <a:stretch>
+            <a:fillRect/>
+          </a:stretch>
+        </p:blipFill>
+        <p:spPr>
+          <a:xfrm>
+            <a:off x="1528097" y="1062464"/>
+            <a:ext cx="8287907" cy="5048955"/>
+          </a:xfrm>
+          <a:prstGeom prst="rect">
+            <a:avLst/>
+          </a:prstGeom>
+        </p:spPr>
+      </p:pic>
+    </p:spTree>
+    <p:extLst>
+      <p:ext uri="{BB962C8B-B14F-4D97-AF65-F5344CB8AC3E}">
+        <p14:creationId xmlns:p14="http://schemas.microsoft.com/office/powerpoint/2010/main" val="1615681209"/>
+      </p:ext>
+    </p:extLst>
+  </p:cSld>
+  <p:clrMapOvr>
+    <a:masterClrMapping/>
+  </p:clrMapOvr>
+</p:sld>
+</file>
+
+<file path=ppt/slides/slide6.xml><?xml version="1.0" encoding="utf-8"?>
+<p:sld xmlns:a="http://schemas.openxmlformats.org/drawingml/2006/main" xmlns:r="http://schemas.openxmlformats.org/officeDocument/2006/relationships" xmlns:p="http://schemas.openxmlformats.org/presentationml/2006/main">
+  <p:cSld>
+    <p:spTree>
+      <p:nvGrpSpPr>
+        <p:cNvPr id="1" name=""/>
+        <p:cNvGrpSpPr/>
+        <p:nvPr/>
+      </p:nvGrpSpPr>
+      <p:grpSpPr>
+        <a:xfrm>
+          <a:off x="0" y="0"/>
+          <a:ext cx="0" cy="0"/>
+          <a:chOff x="0" y="0"/>
+          <a:chExt cx="0" cy="0"/>
+        </a:xfrm>
+      </p:grpSpPr>
+      <p:sp>
+        <p:nvSpPr>
+          <p:cNvPr id="2" name="Title 1"/>
+          <p:cNvSpPr>
+            <a:spLocks noGrp="1"/>
+          </p:cNvSpPr>
+          <p:nvPr>
+            <p:ph type="title"/>
+          </p:nvPr>
+        </p:nvSpPr>
+        <p:spPr/>
+        <p:txBody>
+          <a:bodyPr/>
+          <a:lstStyle/>
+          <a:p>
+            <a:r>
+              <a:rPr lang="en-US" smtClean="0"/>
+              <a:t>Design</a:t>
+            </a:r>
+            <a:endParaRPr lang="sr-Latn-RS"/>
+          </a:p>
+        </p:txBody>
+      </p:sp>
+      <p:pic>
+        <p:nvPicPr>
+          <p:cNvPr id="7" name="Content Placeholder 6"/>
+          <p:cNvPicPr>
+            <a:picLocks noGrp="1" noChangeAspect="1"/>
+          </p:cNvPicPr>
+          <p:nvPr>
+            <p:ph sz="half" idx="1"/>
+          </p:nvPr>
+        </p:nvPicPr>
+        <p:blipFill>
+          <a:blip r:embed="rId2"/>
+          <a:stretch>
+            <a:fillRect/>
+          </a:stretch>
+        </p:blipFill>
+        <p:spPr>
+          <a:xfrm>
+            <a:off x="609479" y="1825625"/>
+            <a:ext cx="5952893" cy="2214360"/>
+          </a:xfrm>
+          <a:prstGeom prst="rect">
+            <a:avLst/>
+          </a:prstGeom>
+        </p:spPr>
+      </p:pic>
+      <p:pic>
+        <p:nvPicPr>
+          <p:cNvPr id="8" name="Content Placeholder 7"/>
+          <p:cNvPicPr>
+            <a:picLocks noGrp="1" noChangeAspect="1"/>
+          </p:cNvPicPr>
+          <p:nvPr>
+            <p:ph sz="half" idx="2"/>
+          </p:nvPr>
+        </p:nvPicPr>
+        <p:blipFill>
+          <a:blip r:embed="rId3"/>
+          <a:stretch>
+            <a:fillRect/>
+          </a:stretch>
+        </p:blipFill>
+        <p:spPr>
+          <a:xfrm>
+            <a:off x="6172200" y="1825625"/>
+            <a:ext cx="5181600" cy="4313897"/>
+          </a:xfrm>
+          <a:prstGeom prst="rect">
+            <a:avLst/>
+          </a:prstGeom>
+        </p:spPr>
+      </p:pic>
+    </p:spTree>
+    <p:extLst>
+      <p:ext uri="{BB962C8B-B14F-4D97-AF65-F5344CB8AC3E}">
+        <p14:creationId xmlns:p14="http://schemas.microsoft.com/office/powerpoint/2010/main" val="1645010940"/>
+      </p:ext>
+    </p:extLst>
+  </p:cSld>
+  <p:clrMapOvr>
+    <a:masterClrMapping/>
+  </p:clrMapOvr>
+</p:sld>
+</file>
+
+<file path=ppt/slides/slide7.xml><?xml version="1.0" encoding="utf-8"?>
+<p:sld xmlns:a="http://schemas.openxmlformats.org/drawingml/2006/main" xmlns:r="http://schemas.openxmlformats.org/officeDocument/2006/relationships" xmlns:p="http://schemas.openxmlformats.org/presentationml/2006/main">
+  <p:cSld>
+    <p:spTree>
+      <p:nvGrpSpPr>
+        <p:cNvPr id="1" name=""/>
+        <p:cNvGrpSpPr/>
+        <p:nvPr/>
+      </p:nvGrpSpPr>
+      <p:grpSpPr>
+        <a:xfrm>
+          <a:off x="0" y="0"/>
+          <a:ext cx="0" cy="0"/>
+          <a:chOff x="0" y="0"/>
+          <a:chExt cx="0" cy="0"/>
+        </a:xfrm>
+      </p:grpSpPr>
+      <p:pic>
+        <p:nvPicPr>
+          <p:cNvPr id="5" name="Picture 4"/>
+          <p:cNvPicPr>
+            <a:picLocks noChangeAspect="1"/>
+          </p:cNvPicPr>
+          <p:nvPr/>
+        </p:nvPicPr>
+        <p:blipFill>
+          <a:blip r:embed="rId2"/>
+          <a:stretch>
+            <a:fillRect/>
+          </a:stretch>
+        </p:blipFill>
+        <p:spPr>
+          <a:xfrm>
+            <a:off x="336704" y="173275"/>
+            <a:ext cx="10112394" cy="5230903"/>
+          </a:xfrm>
+          <a:prstGeom prst="rect">
+            <a:avLst/>
+          </a:prstGeom>
+        </p:spPr>
+      </p:pic>
+    </p:spTree>
+    <p:extLst>
+      <p:ext uri="{BB962C8B-B14F-4D97-AF65-F5344CB8AC3E}">
+        <p14:creationId xmlns:p14="http://schemas.microsoft.com/office/powerpoint/2010/main" val="4178532783"/>
+      </p:ext>
+    </p:extLst>
+  </p:cSld>
+  <p:clrMapOvr>
+    <a:masterClrMapping/>
+  </p:clrMapOvr>
+</p:sld>
+</file>
+
+<file path=ppt/slides/slide8.xml><?xml version="1.0" encoding="utf-8"?>
+<p:sld xmlns:a="http://schemas.openxmlformats.org/drawingml/2006/main" xmlns:r="http://schemas.openxmlformats.org/officeDocument/2006/relationships" xmlns:p="http://schemas.openxmlformats.org/presentationml/2006/main">
+  <p:cSld>
+    <p:spTree>
+      <p:nvGrpSpPr>
+        <p:cNvPr id="1" name=""/>
+        <p:cNvGrpSpPr/>
+        <p:nvPr/>
+      </p:nvGrpSpPr>
+      <p:grpSpPr>
+        <a:xfrm>
+          <a:off x="0" y="0"/>
+          <a:ext cx="0" cy="0"/>
+          <a:chOff x="0" y="0"/>
+          <a:chExt cx="0" cy="0"/>
+        </a:xfrm>
+      </p:grpSpPr>
+      <p:sp>
+        <p:nvSpPr>
+          <p:cNvPr id="2" name="Title 1"/>
+          <p:cNvSpPr>
+            <a:spLocks noGrp="1"/>
+          </p:cNvSpPr>
+          <p:nvPr>
+            <p:ph type="title"/>
+          </p:nvPr>
+        </p:nvSpPr>
+        <p:spPr/>
+        <p:txBody>
+          <a:bodyPr/>
+          <a:lstStyle/>
+          <a:p>
+            <a:r>
+              <a:rPr lang="en-US" smtClean="0"/>
+              <a:t>&lt;form&gt;</a:t>
+            </a:r>
+            <a:endParaRPr lang="sr-Latn-RS"/>
+          </a:p>
+        </p:txBody>
+      </p:sp>
+      <p:sp>
+        <p:nvSpPr>
+          <p:cNvPr id="3" name="Content Placeholder 2"/>
+          <p:cNvSpPr>
+            <a:spLocks noGrp="1"/>
+          </p:cNvSpPr>
+          <p:nvPr>
+            <p:ph sz="half" idx="1"/>
+          </p:nvPr>
+        </p:nvSpPr>
+        <p:spPr/>
+        <p:txBody>
+          <a:bodyPr/>
+          <a:lstStyle/>
+          <a:p>
+            <a:endParaRPr lang="sr-Latn-RS"/>
+          </a:p>
+        </p:txBody>
+      </p:sp>
+      <p:sp>
+        <p:nvSpPr>
+          <p:cNvPr id="4" name="Content Placeholder 3"/>
+          <p:cNvSpPr>
+            <a:spLocks noGrp="1"/>
+          </p:cNvSpPr>
+          <p:nvPr>
+            <p:ph sz="half" idx="2"/>
+          </p:nvPr>
+        </p:nvSpPr>
+        <p:spPr/>
+        <p:txBody>
+          <a:bodyPr/>
+          <a:lstStyle/>
+          <a:p>
+            <a:endParaRPr lang="sr-Latn-RS"/>
+          </a:p>
+        </p:txBody>
+      </p:sp>
+      <p:pic>
+        <p:nvPicPr>
+          <p:cNvPr id="5" name="Picture 4"/>
+          <p:cNvPicPr>
+            <a:picLocks noChangeAspect="1"/>
+          </p:cNvPicPr>
+          <p:nvPr/>
+        </p:nvPicPr>
+        <p:blipFill>
+          <a:blip r:embed="rId2"/>
+          <a:stretch>
+            <a:fillRect/>
+          </a:stretch>
+        </p:blipFill>
+        <p:spPr>
+          <a:xfrm>
+            <a:off x="838200" y="1714168"/>
+            <a:ext cx="9286702" cy="4319670"/>
+          </a:xfrm>
+          <a:prstGeom prst="rect">
+            <a:avLst/>
+          </a:prstGeom>
+        </p:spPr>
+      </p:pic>
+    </p:spTree>
+    <p:extLst>
+      <p:ext uri="{BB962C8B-B14F-4D97-AF65-F5344CB8AC3E}">
+        <p14:creationId xmlns:p14="http://schemas.microsoft.com/office/powerpoint/2010/main" val="1596562149"/>
+      </p:ext>
+    </p:extLst>
+  </p:cSld>
+  <p:clrMapOvr>
+    <a:masterClrMapping/>
+  </p:clrMapOvr>
+</p:sld>
+</file>
+
+<file path=ppt/slides/slide9.xml><?xml version="1.0" encoding="utf-8"?>
+<p:sld xmlns:a="http://schemas.openxmlformats.org/drawingml/2006/main" xmlns:r="http://schemas.openxmlformats.org/officeDocument/2006/relationships" xmlns:p="http://schemas.openxmlformats.org/presentationml/2006/main">
+  <p:cSld>
+    <p:spTree>
+      <p:nvGrpSpPr>
+        <p:cNvPr id="1" name=""/>
+        <p:cNvGrpSpPr/>
+        <p:nvPr/>
+      </p:nvGrpSpPr>
+      <p:grpSpPr>
+        <a:xfrm>
+          <a:off x="0" y="0"/>
+          <a:ext cx="0" cy="0"/>
+          <a:chOff x="0" y="0"/>
+          <a:chExt cx="0" cy="0"/>
+        </a:xfrm>
+      </p:grpSpPr>
+      <p:pic>
+        <p:nvPicPr>
+          <p:cNvPr id="5" name="Picture 4"/>
+          <p:cNvPicPr>
+            <a:picLocks noChangeAspect="1"/>
+          </p:cNvPicPr>
+          <p:nvPr/>
+        </p:nvPicPr>
+        <p:blipFill>
+          <a:blip r:embed="rId2"/>
+          <a:stretch>
+            <a:fillRect/>
+          </a:stretch>
+        </p:blipFill>
+        <p:spPr>
+          <a:xfrm>
+            <a:off x="1878675" y="0"/>
+            <a:ext cx="8002117" cy="6516009"/>
+          </a:xfrm>
+          <a:prstGeom prst="rect">
+            <a:avLst/>
+          </a:prstGeom>
+        </p:spPr>
+      </p:pic>
+    </p:spTree>
+    <p:extLst>
+      <p:ext uri="{BB962C8B-B14F-4D97-AF65-F5344CB8AC3E}">
+        <p14:creationId xmlns:p14="http://schemas.microsoft.com/office/powerpoint/2010/main" val="3142383775"/>
+      </p:ext>
+    </p:extLst>
+  </p:cSld>
+  <p:clrMapOvr>
+    <a:masterClrMapping/>
+  </p:clrMapOvr>
 </p:sld>
 </file>
 
